--- a/warner-AZ103.pptx
+++ b/warner-AZ103.pptx
@@ -9,40 +9,41 @@
     <p:sldId id="364" r:id="rId3"/>
     <p:sldId id="258" r:id="rId4"/>
     <p:sldId id="260" r:id="rId5"/>
-    <p:sldId id="362" r:id="rId6"/>
-    <p:sldId id="360" r:id="rId7"/>
-    <p:sldId id="359" r:id="rId8"/>
-    <p:sldId id="266" r:id="rId9"/>
-    <p:sldId id="259" r:id="rId10"/>
-    <p:sldId id="340" r:id="rId11"/>
-    <p:sldId id="278" r:id="rId12"/>
-    <p:sldId id="279" r:id="rId13"/>
-    <p:sldId id="341" r:id="rId14"/>
-    <p:sldId id="283" r:id="rId15"/>
-    <p:sldId id="284" r:id="rId16"/>
-    <p:sldId id="342" r:id="rId17"/>
-    <p:sldId id="314" r:id="rId18"/>
-    <p:sldId id="315" r:id="rId19"/>
-    <p:sldId id="316" r:id="rId20"/>
-    <p:sldId id="343" r:id="rId21"/>
-    <p:sldId id="325" r:id="rId22"/>
-    <p:sldId id="326" r:id="rId23"/>
-    <p:sldId id="344" r:id="rId24"/>
-    <p:sldId id="332" r:id="rId25"/>
-    <p:sldId id="333" r:id="rId26"/>
-    <p:sldId id="345" r:id="rId27"/>
-    <p:sldId id="346" r:id="rId28"/>
-    <p:sldId id="347" r:id="rId29"/>
-    <p:sldId id="352" r:id="rId30"/>
-    <p:sldId id="361" r:id="rId31"/>
-    <p:sldId id="365" r:id="rId32"/>
-    <p:sldId id="351" r:id="rId33"/>
-    <p:sldId id="348" r:id="rId34"/>
-    <p:sldId id="349" r:id="rId35"/>
-    <p:sldId id="355" r:id="rId36"/>
-    <p:sldId id="354" r:id="rId37"/>
-    <p:sldId id="356" r:id="rId38"/>
-    <p:sldId id="363" r:id="rId39"/>
+    <p:sldId id="366" r:id="rId6"/>
+    <p:sldId id="362" r:id="rId7"/>
+    <p:sldId id="360" r:id="rId8"/>
+    <p:sldId id="359" r:id="rId9"/>
+    <p:sldId id="266" r:id="rId10"/>
+    <p:sldId id="259" r:id="rId11"/>
+    <p:sldId id="340" r:id="rId12"/>
+    <p:sldId id="278" r:id="rId13"/>
+    <p:sldId id="279" r:id="rId14"/>
+    <p:sldId id="341" r:id="rId15"/>
+    <p:sldId id="283" r:id="rId16"/>
+    <p:sldId id="284" r:id="rId17"/>
+    <p:sldId id="342" r:id="rId18"/>
+    <p:sldId id="314" r:id="rId19"/>
+    <p:sldId id="315" r:id="rId20"/>
+    <p:sldId id="316" r:id="rId21"/>
+    <p:sldId id="343" r:id="rId22"/>
+    <p:sldId id="325" r:id="rId23"/>
+    <p:sldId id="326" r:id="rId24"/>
+    <p:sldId id="344" r:id="rId25"/>
+    <p:sldId id="332" r:id="rId26"/>
+    <p:sldId id="333" r:id="rId27"/>
+    <p:sldId id="345" r:id="rId28"/>
+    <p:sldId id="346" r:id="rId29"/>
+    <p:sldId id="347" r:id="rId30"/>
+    <p:sldId id="352" r:id="rId31"/>
+    <p:sldId id="361" r:id="rId32"/>
+    <p:sldId id="365" r:id="rId33"/>
+    <p:sldId id="351" r:id="rId34"/>
+    <p:sldId id="348" r:id="rId35"/>
+    <p:sldId id="349" r:id="rId36"/>
+    <p:sldId id="355" r:id="rId37"/>
+    <p:sldId id="354" r:id="rId38"/>
+    <p:sldId id="356" r:id="rId39"/>
+    <p:sldId id="363" r:id="rId40"/>
   </p:sldIdLst>
   <p:sldSz cx="9144000" cy="5143500" type="screen16x9"/>
   <p:notesSz cx="6858000" cy="9144000"/>
@@ -1649,7 +1650,7 @@
           <a:p>
             <a:fld id="{128B0A6C-EF38-9441-ADBF-8FE45FA6C46E}" type="datetimeFigureOut">
               <a:rPr lang="en-US" smtClean="0"/>
-              <a:t>10/14/2019</a:t>
+              <a:t>11/12/2019</a:t>
             </a:fld>
             <a:endParaRPr lang="en-US"/>
           </a:p>
@@ -2129,7 +2130,7 @@
           <a:p>
             <a:r>
               <a:rPr lang="en-US" dirty="0"/>
-              <a:t>        @TechTrainerTim</a:t>
+              <a:t>      @TechTrainerTim</a:t>
             </a:r>
           </a:p>
           <a:p>
@@ -2213,6 +2214,110 @@
 <file path=ppt/slides/slide10.xml><?xml version="1.0" encoding="utf-8"?>
 <p:sld xmlns:a="http://schemas.openxmlformats.org/drawingml/2006/main" xmlns:r="http://schemas.openxmlformats.org/officeDocument/2006/relationships" xmlns:p="http://schemas.openxmlformats.org/presentationml/2006/main">
   <p:cSld>
+    <p:spTree>
+      <p:nvGrpSpPr>
+        <p:cNvPr id="1" name=""/>
+        <p:cNvGrpSpPr/>
+        <p:nvPr/>
+      </p:nvGrpSpPr>
+      <p:grpSpPr>
+        <a:xfrm>
+          <a:off x="0" y="0"/>
+          <a:ext cx="0" cy="0"/>
+          <a:chOff x="0" y="0"/>
+          <a:chExt cx="0" cy="0"/>
+        </a:xfrm>
+      </p:grpSpPr>
+      <p:sp>
+        <p:nvSpPr>
+          <p:cNvPr id="2" name="Title 1">
+            <a:extLst>
+              <a:ext uri="{FF2B5EF4-FFF2-40B4-BE49-F238E27FC236}">
+                <a16:creationId xmlns:a16="http://schemas.microsoft.com/office/drawing/2014/main" id="{25C6E663-D0AD-564E-AFD0-A2EAFE729E79}"/>
+              </a:ext>
+            </a:extLst>
+          </p:cNvPr>
+          <p:cNvSpPr>
+            <a:spLocks noGrp="1"/>
+          </p:cNvSpPr>
+          <p:nvPr>
+            <p:ph type="title"/>
+          </p:nvPr>
+        </p:nvSpPr>
+        <p:spPr/>
+        <p:txBody>
+          <a:bodyPr/>
+          <a:lstStyle/>
+          <a:p>
+            <a:r>
+              <a:rPr lang="en-US" dirty="0"/>
+              <a:t>Module 1 Learning Objectives</a:t>
+            </a:r>
+          </a:p>
+        </p:txBody>
+      </p:sp>
+      <p:sp>
+        <p:nvSpPr>
+          <p:cNvPr id="3" name="Content Placeholder 2">
+            <a:extLst>
+              <a:ext uri="{FF2B5EF4-FFF2-40B4-BE49-F238E27FC236}">
+                <a16:creationId xmlns:a16="http://schemas.microsoft.com/office/drawing/2014/main" id="{CC25EB59-169C-FE49-B976-0294784B9F8E}"/>
+              </a:ext>
+            </a:extLst>
+          </p:cNvPr>
+          <p:cNvSpPr>
+            <a:spLocks noGrp="1"/>
+          </p:cNvSpPr>
+          <p:nvPr>
+            <p:ph idx="1"/>
+          </p:nvPr>
+        </p:nvSpPr>
+        <p:spPr/>
+        <p:txBody>
+          <a:bodyPr/>
+          <a:lstStyle/>
+          <a:p>
+            <a:r>
+              <a:rPr lang="en-US" dirty="0"/>
+              <a:t>Manage Azure subscriptions</a:t>
+            </a:r>
+          </a:p>
+          <a:p>
+            <a:r>
+              <a:rPr lang="en-US" dirty="0"/>
+              <a:t>Analyze resource utilization and consumption</a:t>
+            </a:r>
+          </a:p>
+          <a:p>
+            <a:r>
+              <a:rPr lang="en-US" dirty="0"/>
+              <a:t>Manage resource groups</a:t>
+            </a:r>
+          </a:p>
+          <a:p>
+            <a:r>
+              <a:rPr lang="en-US" dirty="0"/>
+              <a:t>Manage Role Based Access Control (RBAC)</a:t>
+            </a:r>
+          </a:p>
+        </p:txBody>
+      </p:sp>
+    </p:spTree>
+    <p:extLst>
+      <p:ext uri="{BB962C8B-B14F-4D97-AF65-F5344CB8AC3E}">
+        <p14:creationId xmlns:p14="http://schemas.microsoft.com/office/powerpoint/2010/main" val="3344817401"/>
+      </p:ext>
+    </p:extLst>
+  </p:cSld>
+  <p:clrMapOvr>
+    <a:masterClrMapping/>
+  </p:clrMapOvr>
+</p:sld>
+</file>
+
+<file path=ppt/slides/slide11.xml><?xml version="1.0" encoding="utf-8"?>
+<p:sld xmlns:a="http://schemas.openxmlformats.org/drawingml/2006/main" xmlns:r="http://schemas.openxmlformats.org/officeDocument/2006/relationships" xmlns:p="http://schemas.openxmlformats.org/presentationml/2006/main">
+  <p:cSld>
     <p:bg>
       <p:bgPr>
         <a:solidFill>
@@ -2437,68 +2542,6 @@
 </p:sld>
 </file>
 
-<file path=ppt/slides/slide11.xml><?xml version="1.0" encoding="utf-8"?>
-<p:sld xmlns:a="http://schemas.openxmlformats.org/drawingml/2006/main" xmlns:r="http://schemas.openxmlformats.org/officeDocument/2006/relationships" xmlns:p="http://schemas.openxmlformats.org/presentationml/2006/main">
-  <p:cSld>
-    <p:spTree>
-      <p:nvGrpSpPr>
-        <p:cNvPr id="1" name=""/>
-        <p:cNvGrpSpPr/>
-        <p:nvPr/>
-      </p:nvGrpSpPr>
-      <p:grpSpPr>
-        <a:xfrm>
-          <a:off x="0" y="0"/>
-          <a:ext cx="0" cy="0"/>
-          <a:chOff x="0" y="0"/>
-          <a:chExt cx="0" cy="0"/>
-        </a:xfrm>
-      </p:grpSpPr>
-      <p:sp>
-        <p:nvSpPr>
-          <p:cNvPr id="6" name="Title 5">
-            <a:extLst>
-              <a:ext uri="{FF2B5EF4-FFF2-40B4-BE49-F238E27FC236}">
-                <a16:creationId xmlns:a16="http://schemas.microsoft.com/office/drawing/2014/main" id="{D9FFC0E8-97CE-4426-A0C0-75252002ED16}"/>
-              </a:ext>
-            </a:extLst>
-          </p:cNvPr>
-          <p:cNvSpPr>
-            <a:spLocks noGrp="1"/>
-          </p:cNvSpPr>
-          <p:nvPr>
-            <p:ph type="ctrTitle"/>
-          </p:nvPr>
-        </p:nvSpPr>
-        <p:spPr/>
-        <p:txBody>
-          <a:bodyPr/>
-          <a:lstStyle/>
-          <a:p>
-            <a:r>
-              <a:rPr lang="en-US" dirty="0"/>
-              <a:t>Module 2: Implement and Manage Storage</a:t>
-            </a:r>
-            <a:br>
-              <a:rPr lang="en-US" dirty="0"/>
-            </a:br>
-            <a:endParaRPr lang="en-US" dirty="0"/>
-          </a:p>
-        </p:txBody>
-      </p:sp>
-    </p:spTree>
-    <p:extLst>
-      <p:ext uri="{BB962C8B-B14F-4D97-AF65-F5344CB8AC3E}">
-        <p14:creationId xmlns:p14="http://schemas.microsoft.com/office/powerpoint/2010/main" val="2775096423"/>
-      </p:ext>
-    </p:extLst>
-  </p:cSld>
-  <p:clrMapOvr>
-    <a:masterClrMapping/>
-  </p:clrMapOvr>
-</p:sld>
-</file>
-
 <file path=ppt/slides/slide12.xml><?xml version="1.0" encoding="utf-8"?>
 <p:sld xmlns:a="http://schemas.openxmlformats.org/drawingml/2006/main" xmlns:r="http://schemas.openxmlformats.org/officeDocument/2006/relationships" xmlns:p="http://schemas.openxmlformats.org/presentationml/2006/main">
   <p:cSld>
@@ -2518,10 +2561,10 @@
       </p:grpSpPr>
       <p:sp>
         <p:nvSpPr>
-          <p:cNvPr id="2" name="Title 1">
-            <a:extLst>
-              <a:ext uri="{FF2B5EF4-FFF2-40B4-BE49-F238E27FC236}">
-                <a16:creationId xmlns:a16="http://schemas.microsoft.com/office/drawing/2014/main" id="{25C6E663-D0AD-564E-AFD0-A2EAFE729E79}"/>
+          <p:cNvPr id="6" name="Title 5">
+            <a:extLst>
+              <a:ext uri="{FF2B5EF4-FFF2-40B4-BE49-F238E27FC236}">
+                <a16:creationId xmlns:a16="http://schemas.microsoft.com/office/drawing/2014/main" id="{D9FFC0E8-97CE-4426-A0C0-75252002ED16}"/>
               </a:ext>
             </a:extLst>
           </p:cNvPr>
@@ -2529,7 +2572,7 @@
             <a:spLocks noGrp="1"/>
           </p:cNvSpPr>
           <p:nvPr>
-            <p:ph type="title"/>
+            <p:ph type="ctrTitle"/>
           </p:nvPr>
         </p:nvSpPr>
         <p:spPr/>
@@ -2539,61 +2582,19 @@
           <a:p>
             <a:r>
               <a:rPr lang="en-US" dirty="0"/>
-              <a:t>Module 2 Learning Objectives</a:t>
-            </a:r>
-          </a:p>
-        </p:txBody>
-      </p:sp>
-      <p:sp>
-        <p:nvSpPr>
-          <p:cNvPr id="3" name="Content Placeholder 2">
-            <a:extLst>
-              <a:ext uri="{FF2B5EF4-FFF2-40B4-BE49-F238E27FC236}">
-                <a16:creationId xmlns:a16="http://schemas.microsoft.com/office/drawing/2014/main" id="{CC25EB59-169C-FE49-B976-0294784B9F8E}"/>
-              </a:ext>
-            </a:extLst>
-          </p:cNvPr>
-          <p:cNvSpPr>
-            <a:spLocks noGrp="1"/>
-          </p:cNvSpPr>
-          <p:nvPr>
-            <p:ph idx="1"/>
-          </p:nvPr>
-        </p:nvSpPr>
-        <p:spPr/>
-        <p:txBody>
-          <a:bodyPr/>
-          <a:lstStyle/>
-          <a:p>
-            <a:r>
-              <a:rPr lang="en-US" dirty="0"/>
-              <a:t>Create and configure storage accounts</a:t>
-            </a:r>
-          </a:p>
-          <a:p>
-            <a:r>
-              <a:rPr lang="en-US" dirty="0"/>
-              <a:t>Import and export data to Azure</a:t>
-            </a:r>
-          </a:p>
-          <a:p>
-            <a:r>
-              <a:rPr lang="en-US" dirty="0"/>
-              <a:t>Configure Azure Files</a:t>
-            </a:r>
-          </a:p>
-          <a:p>
-            <a:r>
-              <a:rPr lang="en-US" dirty="0"/>
-              <a:t>Implement Azure backup</a:t>
-            </a:r>
+              <a:t>Module 2: Implement and Manage Storage</a:t>
+            </a:r>
+            <a:br>
+              <a:rPr lang="en-US" dirty="0"/>
+            </a:br>
+            <a:endParaRPr lang="en-US" dirty="0"/>
           </a:p>
         </p:txBody>
       </p:sp>
     </p:spTree>
     <p:extLst>
       <p:ext uri="{BB962C8B-B14F-4D97-AF65-F5344CB8AC3E}">
-        <p14:creationId xmlns:p14="http://schemas.microsoft.com/office/powerpoint/2010/main" val="144343050"/>
+        <p14:creationId xmlns:p14="http://schemas.microsoft.com/office/powerpoint/2010/main" val="2775096423"/>
       </p:ext>
     </p:extLst>
   </p:cSld>
@@ -2643,6 +2644,110 @@
           <a:p>
             <a:r>
               <a:rPr lang="en-US" dirty="0"/>
+              <a:t>Module 2 Learning Objectives</a:t>
+            </a:r>
+          </a:p>
+        </p:txBody>
+      </p:sp>
+      <p:sp>
+        <p:nvSpPr>
+          <p:cNvPr id="3" name="Content Placeholder 2">
+            <a:extLst>
+              <a:ext uri="{FF2B5EF4-FFF2-40B4-BE49-F238E27FC236}">
+                <a16:creationId xmlns:a16="http://schemas.microsoft.com/office/drawing/2014/main" id="{CC25EB59-169C-FE49-B976-0294784B9F8E}"/>
+              </a:ext>
+            </a:extLst>
+          </p:cNvPr>
+          <p:cNvSpPr>
+            <a:spLocks noGrp="1"/>
+          </p:cNvSpPr>
+          <p:nvPr>
+            <p:ph idx="1"/>
+          </p:nvPr>
+        </p:nvSpPr>
+        <p:spPr/>
+        <p:txBody>
+          <a:bodyPr/>
+          <a:lstStyle/>
+          <a:p>
+            <a:r>
+              <a:rPr lang="en-US" dirty="0"/>
+              <a:t>Create and configure storage accounts</a:t>
+            </a:r>
+          </a:p>
+          <a:p>
+            <a:r>
+              <a:rPr lang="en-US" dirty="0"/>
+              <a:t>Import and export data to Azure</a:t>
+            </a:r>
+          </a:p>
+          <a:p>
+            <a:r>
+              <a:rPr lang="en-US" dirty="0"/>
+              <a:t>Configure Azure Files</a:t>
+            </a:r>
+          </a:p>
+          <a:p>
+            <a:r>
+              <a:rPr lang="en-US" dirty="0"/>
+              <a:t>Implement Azure backup</a:t>
+            </a:r>
+          </a:p>
+        </p:txBody>
+      </p:sp>
+    </p:spTree>
+    <p:extLst>
+      <p:ext uri="{BB962C8B-B14F-4D97-AF65-F5344CB8AC3E}">
+        <p14:creationId xmlns:p14="http://schemas.microsoft.com/office/powerpoint/2010/main" val="144343050"/>
+      </p:ext>
+    </p:extLst>
+  </p:cSld>
+  <p:clrMapOvr>
+    <a:masterClrMapping/>
+  </p:clrMapOvr>
+</p:sld>
+</file>
+
+<file path=ppt/slides/slide14.xml><?xml version="1.0" encoding="utf-8"?>
+<p:sld xmlns:a="http://schemas.openxmlformats.org/drawingml/2006/main" xmlns:r="http://schemas.openxmlformats.org/officeDocument/2006/relationships" xmlns:p="http://schemas.openxmlformats.org/presentationml/2006/main">
+  <p:cSld>
+    <p:spTree>
+      <p:nvGrpSpPr>
+        <p:cNvPr id="1" name=""/>
+        <p:cNvGrpSpPr/>
+        <p:nvPr/>
+      </p:nvGrpSpPr>
+      <p:grpSpPr>
+        <a:xfrm>
+          <a:off x="0" y="0"/>
+          <a:ext cx="0" cy="0"/>
+          <a:chOff x="0" y="0"/>
+          <a:chExt cx="0" cy="0"/>
+        </a:xfrm>
+      </p:grpSpPr>
+      <p:sp>
+        <p:nvSpPr>
+          <p:cNvPr id="2" name="Title 1">
+            <a:extLst>
+              <a:ext uri="{FF2B5EF4-FFF2-40B4-BE49-F238E27FC236}">
+                <a16:creationId xmlns:a16="http://schemas.microsoft.com/office/drawing/2014/main" id="{25C6E663-D0AD-564E-AFD0-A2EAFE729E79}"/>
+              </a:ext>
+            </a:extLst>
+          </p:cNvPr>
+          <p:cNvSpPr>
+            <a:spLocks noGrp="1"/>
+          </p:cNvSpPr>
+          <p:nvPr>
+            <p:ph type="title"/>
+          </p:nvPr>
+        </p:nvSpPr>
+        <p:spPr/>
+        <p:txBody>
+          <a:bodyPr/>
+          <a:lstStyle/>
+          <a:p>
+            <a:r>
+              <a:rPr lang="en-US" dirty="0"/>
               <a:t>Module 2 Demo</a:t>
             </a:r>
           </a:p>
@@ -2836,68 +2941,6 @@
 </p:sld>
 </file>
 
-<file path=ppt/slides/slide14.xml><?xml version="1.0" encoding="utf-8"?>
-<p:sld xmlns:a="http://schemas.openxmlformats.org/drawingml/2006/main" xmlns:r="http://schemas.openxmlformats.org/officeDocument/2006/relationships" xmlns:p="http://schemas.openxmlformats.org/presentationml/2006/main">
-  <p:cSld>
-    <p:spTree>
-      <p:nvGrpSpPr>
-        <p:cNvPr id="1" name=""/>
-        <p:cNvGrpSpPr/>
-        <p:nvPr/>
-      </p:nvGrpSpPr>
-      <p:grpSpPr>
-        <a:xfrm>
-          <a:off x="0" y="0"/>
-          <a:ext cx="0" cy="0"/>
-          <a:chOff x="0" y="0"/>
-          <a:chExt cx="0" cy="0"/>
-        </a:xfrm>
-      </p:grpSpPr>
-      <p:sp>
-        <p:nvSpPr>
-          <p:cNvPr id="6" name="Title 5">
-            <a:extLst>
-              <a:ext uri="{FF2B5EF4-FFF2-40B4-BE49-F238E27FC236}">
-                <a16:creationId xmlns:a16="http://schemas.microsoft.com/office/drawing/2014/main" id="{D9FFC0E8-97CE-4426-A0C0-75252002ED16}"/>
-              </a:ext>
-            </a:extLst>
-          </p:cNvPr>
-          <p:cNvSpPr>
-            <a:spLocks noGrp="1"/>
-          </p:cNvSpPr>
-          <p:nvPr>
-            <p:ph type="ctrTitle"/>
-          </p:nvPr>
-        </p:nvSpPr>
-        <p:spPr/>
-        <p:txBody>
-          <a:bodyPr/>
-          <a:lstStyle/>
-          <a:p>
-            <a:r>
-              <a:rPr lang="en-US" dirty="0"/>
-              <a:t>Module 3: Deploy and Manage Virtual Machines</a:t>
-            </a:r>
-            <a:br>
-              <a:rPr lang="en-US" dirty="0"/>
-            </a:br>
-            <a:endParaRPr lang="en-US" dirty="0"/>
-          </a:p>
-        </p:txBody>
-      </p:sp>
-    </p:spTree>
-    <p:extLst>
-      <p:ext uri="{BB962C8B-B14F-4D97-AF65-F5344CB8AC3E}">
-        <p14:creationId xmlns:p14="http://schemas.microsoft.com/office/powerpoint/2010/main" val="985201530"/>
-      </p:ext>
-    </p:extLst>
-  </p:cSld>
-  <p:clrMapOvr>
-    <a:masterClrMapping/>
-  </p:clrMapOvr>
-</p:sld>
-</file>
-
 <file path=ppt/slides/slide15.xml><?xml version="1.0" encoding="utf-8"?>
 <p:sld xmlns:a="http://schemas.openxmlformats.org/drawingml/2006/main" xmlns:r="http://schemas.openxmlformats.org/officeDocument/2006/relationships" xmlns:p="http://schemas.openxmlformats.org/presentationml/2006/main">
   <p:cSld>
@@ -2917,10 +2960,10 @@
       </p:grpSpPr>
       <p:sp>
         <p:nvSpPr>
-          <p:cNvPr id="2" name="Title 1">
-            <a:extLst>
-              <a:ext uri="{FF2B5EF4-FFF2-40B4-BE49-F238E27FC236}">
-                <a16:creationId xmlns:a16="http://schemas.microsoft.com/office/drawing/2014/main" id="{25C6E663-D0AD-564E-AFD0-A2EAFE729E79}"/>
+          <p:cNvPr id="6" name="Title 5">
+            <a:extLst>
+              <a:ext uri="{FF2B5EF4-FFF2-40B4-BE49-F238E27FC236}">
+                <a16:creationId xmlns:a16="http://schemas.microsoft.com/office/drawing/2014/main" id="{D9FFC0E8-97CE-4426-A0C0-75252002ED16}"/>
               </a:ext>
             </a:extLst>
           </p:cNvPr>
@@ -2928,7 +2971,7 @@
             <a:spLocks noGrp="1"/>
           </p:cNvSpPr>
           <p:nvPr>
-            <p:ph type="title"/>
+            <p:ph type="ctrTitle"/>
           </p:nvPr>
         </p:nvSpPr>
         <p:spPr/>
@@ -2938,61 +2981,19 @@
           <a:p>
             <a:r>
               <a:rPr lang="en-US" dirty="0"/>
-              <a:t>Module 3 Learning Objectives</a:t>
-            </a:r>
-          </a:p>
-        </p:txBody>
-      </p:sp>
-      <p:sp>
-        <p:nvSpPr>
-          <p:cNvPr id="3" name="Content Placeholder 2">
-            <a:extLst>
-              <a:ext uri="{FF2B5EF4-FFF2-40B4-BE49-F238E27FC236}">
-                <a16:creationId xmlns:a16="http://schemas.microsoft.com/office/drawing/2014/main" id="{CC25EB59-169C-FE49-B976-0294784B9F8E}"/>
-              </a:ext>
-            </a:extLst>
-          </p:cNvPr>
-          <p:cNvSpPr>
-            <a:spLocks noGrp="1"/>
-          </p:cNvSpPr>
-          <p:nvPr>
-            <p:ph idx="1"/>
-          </p:nvPr>
-        </p:nvSpPr>
-        <p:spPr/>
-        <p:txBody>
-          <a:bodyPr/>
-          <a:lstStyle/>
-          <a:p>
-            <a:r>
-              <a:rPr lang="en-US" dirty="0"/>
-              <a:t>Create and configure a VM for Windows and Linux</a:t>
-            </a:r>
-          </a:p>
-          <a:p>
-            <a:r>
-              <a:rPr lang="en-US" dirty="0"/>
-              <a:t>Automate VM deployment</a:t>
-            </a:r>
-          </a:p>
-          <a:p>
-            <a:r>
-              <a:rPr lang="en-US" dirty="0"/>
-              <a:t>Manage Azure VM configuration</a:t>
-            </a:r>
-          </a:p>
-          <a:p>
-            <a:r>
-              <a:rPr lang="en-US" dirty="0"/>
-              <a:t>Manage Azure VM backups</a:t>
-            </a:r>
+              <a:t>Module 3: Deploy and Manage Virtual Machines</a:t>
+            </a:r>
+            <a:br>
+              <a:rPr lang="en-US" dirty="0"/>
+            </a:br>
+            <a:endParaRPr lang="en-US" dirty="0"/>
           </a:p>
         </p:txBody>
       </p:sp>
     </p:spTree>
     <p:extLst>
       <p:ext uri="{BB962C8B-B14F-4D97-AF65-F5344CB8AC3E}">
-        <p14:creationId xmlns:p14="http://schemas.microsoft.com/office/powerpoint/2010/main" val="523548041"/>
+        <p14:creationId xmlns:p14="http://schemas.microsoft.com/office/powerpoint/2010/main" val="985201530"/>
       </p:ext>
     </p:extLst>
   </p:cSld>
@@ -3042,6 +3043,110 @@
           <a:p>
             <a:r>
               <a:rPr lang="en-US" dirty="0"/>
+              <a:t>Module 3 Learning Objectives</a:t>
+            </a:r>
+          </a:p>
+        </p:txBody>
+      </p:sp>
+      <p:sp>
+        <p:nvSpPr>
+          <p:cNvPr id="3" name="Content Placeholder 2">
+            <a:extLst>
+              <a:ext uri="{FF2B5EF4-FFF2-40B4-BE49-F238E27FC236}">
+                <a16:creationId xmlns:a16="http://schemas.microsoft.com/office/drawing/2014/main" id="{CC25EB59-169C-FE49-B976-0294784B9F8E}"/>
+              </a:ext>
+            </a:extLst>
+          </p:cNvPr>
+          <p:cNvSpPr>
+            <a:spLocks noGrp="1"/>
+          </p:cNvSpPr>
+          <p:nvPr>
+            <p:ph idx="1"/>
+          </p:nvPr>
+        </p:nvSpPr>
+        <p:spPr/>
+        <p:txBody>
+          <a:bodyPr/>
+          <a:lstStyle/>
+          <a:p>
+            <a:r>
+              <a:rPr lang="en-US" dirty="0"/>
+              <a:t>Create and configure a VM for Windows and Linux</a:t>
+            </a:r>
+          </a:p>
+          <a:p>
+            <a:r>
+              <a:rPr lang="en-US" dirty="0"/>
+              <a:t>Automate VM deployment</a:t>
+            </a:r>
+          </a:p>
+          <a:p>
+            <a:r>
+              <a:rPr lang="en-US" dirty="0"/>
+              <a:t>Manage Azure VM configuration</a:t>
+            </a:r>
+          </a:p>
+          <a:p>
+            <a:r>
+              <a:rPr lang="en-US" dirty="0"/>
+              <a:t>Manage Azure VM backups</a:t>
+            </a:r>
+          </a:p>
+        </p:txBody>
+      </p:sp>
+    </p:spTree>
+    <p:extLst>
+      <p:ext uri="{BB962C8B-B14F-4D97-AF65-F5344CB8AC3E}">
+        <p14:creationId xmlns:p14="http://schemas.microsoft.com/office/powerpoint/2010/main" val="523548041"/>
+      </p:ext>
+    </p:extLst>
+  </p:cSld>
+  <p:clrMapOvr>
+    <a:masterClrMapping/>
+  </p:clrMapOvr>
+</p:sld>
+</file>
+
+<file path=ppt/slides/slide17.xml><?xml version="1.0" encoding="utf-8"?>
+<p:sld xmlns:a="http://schemas.openxmlformats.org/drawingml/2006/main" xmlns:r="http://schemas.openxmlformats.org/officeDocument/2006/relationships" xmlns:p="http://schemas.openxmlformats.org/presentationml/2006/main">
+  <p:cSld>
+    <p:spTree>
+      <p:nvGrpSpPr>
+        <p:cNvPr id="1" name=""/>
+        <p:cNvGrpSpPr/>
+        <p:nvPr/>
+      </p:nvGrpSpPr>
+      <p:grpSpPr>
+        <a:xfrm>
+          <a:off x="0" y="0"/>
+          <a:ext cx="0" cy="0"/>
+          <a:chOff x="0" y="0"/>
+          <a:chExt cx="0" cy="0"/>
+        </a:xfrm>
+      </p:grpSpPr>
+      <p:sp>
+        <p:nvSpPr>
+          <p:cNvPr id="2" name="Title 1">
+            <a:extLst>
+              <a:ext uri="{FF2B5EF4-FFF2-40B4-BE49-F238E27FC236}">
+                <a16:creationId xmlns:a16="http://schemas.microsoft.com/office/drawing/2014/main" id="{25C6E663-D0AD-564E-AFD0-A2EAFE729E79}"/>
+              </a:ext>
+            </a:extLst>
+          </p:cNvPr>
+          <p:cNvSpPr>
+            <a:spLocks noGrp="1"/>
+          </p:cNvSpPr>
+          <p:nvPr>
+            <p:ph type="title"/>
+          </p:nvPr>
+        </p:nvSpPr>
+        <p:spPr/>
+        <p:txBody>
+          <a:bodyPr/>
+          <a:lstStyle/>
+          <a:p>
+            <a:r>
+              <a:rPr lang="en-US" dirty="0"/>
               <a:t>Module 3 Demo</a:t>
             </a:r>
           </a:p>
@@ -3225,68 +3330,6 @@
 </p:sld>
 </file>
 
-<file path=ppt/slides/slide17.xml><?xml version="1.0" encoding="utf-8"?>
-<p:sld xmlns:a="http://schemas.openxmlformats.org/drawingml/2006/main" xmlns:r="http://schemas.openxmlformats.org/officeDocument/2006/relationships" xmlns:p="http://schemas.openxmlformats.org/presentationml/2006/main">
-  <p:cSld>
-    <p:spTree>
-      <p:nvGrpSpPr>
-        <p:cNvPr id="1" name=""/>
-        <p:cNvGrpSpPr/>
-        <p:nvPr/>
-      </p:nvGrpSpPr>
-      <p:grpSpPr>
-        <a:xfrm>
-          <a:off x="0" y="0"/>
-          <a:ext cx="0" cy="0"/>
-          <a:chOff x="0" y="0"/>
-          <a:chExt cx="0" cy="0"/>
-        </a:xfrm>
-      </p:grpSpPr>
-      <p:sp>
-        <p:nvSpPr>
-          <p:cNvPr id="6" name="Title 5">
-            <a:extLst>
-              <a:ext uri="{FF2B5EF4-FFF2-40B4-BE49-F238E27FC236}">
-                <a16:creationId xmlns:a16="http://schemas.microsoft.com/office/drawing/2014/main" id="{D9FFC0E8-97CE-4426-A0C0-75252002ED16}"/>
-              </a:ext>
-            </a:extLst>
-          </p:cNvPr>
-          <p:cNvSpPr>
-            <a:spLocks noGrp="1"/>
-          </p:cNvSpPr>
-          <p:nvPr>
-            <p:ph type="ctrTitle"/>
-          </p:nvPr>
-        </p:nvSpPr>
-        <p:spPr/>
-        <p:txBody>
-          <a:bodyPr/>
-          <a:lstStyle/>
-          <a:p>
-            <a:r>
-              <a:rPr lang="en-US" dirty="0"/>
-              <a:t>Module 4: Configure and Manage Virtual Networks</a:t>
-            </a:r>
-            <a:br>
-              <a:rPr lang="en-US" dirty="0"/>
-            </a:br>
-            <a:endParaRPr lang="en-US" dirty="0"/>
-          </a:p>
-        </p:txBody>
-      </p:sp>
-    </p:spTree>
-    <p:extLst>
-      <p:ext uri="{BB962C8B-B14F-4D97-AF65-F5344CB8AC3E}">
-        <p14:creationId xmlns:p14="http://schemas.microsoft.com/office/powerpoint/2010/main" val="3868874865"/>
-      </p:ext>
-    </p:extLst>
-  </p:cSld>
-  <p:clrMapOvr>
-    <a:masterClrMapping/>
-  </p:clrMapOvr>
-</p:sld>
-</file>
-
 <file path=ppt/slides/slide18.xml><?xml version="1.0" encoding="utf-8"?>
 <p:sld xmlns:a="http://schemas.openxmlformats.org/drawingml/2006/main" xmlns:r="http://schemas.openxmlformats.org/officeDocument/2006/relationships" xmlns:p="http://schemas.openxmlformats.org/presentationml/2006/main">
   <p:cSld>
@@ -3306,10 +3349,10 @@
       </p:grpSpPr>
       <p:sp>
         <p:nvSpPr>
-          <p:cNvPr id="2" name="Title 1">
-            <a:extLst>
-              <a:ext uri="{FF2B5EF4-FFF2-40B4-BE49-F238E27FC236}">
-                <a16:creationId xmlns:a16="http://schemas.microsoft.com/office/drawing/2014/main" id="{25C6E663-D0AD-564E-AFD0-A2EAFE729E79}"/>
+          <p:cNvPr id="6" name="Title 5">
+            <a:extLst>
+              <a:ext uri="{FF2B5EF4-FFF2-40B4-BE49-F238E27FC236}">
+                <a16:creationId xmlns:a16="http://schemas.microsoft.com/office/drawing/2014/main" id="{D9FFC0E8-97CE-4426-A0C0-75252002ED16}"/>
               </a:ext>
             </a:extLst>
           </p:cNvPr>
@@ -3317,7 +3360,7 @@
             <a:spLocks noGrp="1"/>
           </p:cNvSpPr>
           <p:nvPr>
-            <p:ph type="title"/>
+            <p:ph type="ctrTitle"/>
           </p:nvPr>
         </p:nvSpPr>
         <p:spPr/>
@@ -3327,61 +3370,19 @@
           <a:p>
             <a:r>
               <a:rPr lang="en-US" dirty="0"/>
-              <a:t>Module 4 Learning Objectives</a:t>
-            </a:r>
-          </a:p>
-        </p:txBody>
-      </p:sp>
-      <p:sp>
-        <p:nvSpPr>
-          <p:cNvPr id="3" name="Content Placeholder 2">
-            <a:extLst>
-              <a:ext uri="{FF2B5EF4-FFF2-40B4-BE49-F238E27FC236}">
-                <a16:creationId xmlns:a16="http://schemas.microsoft.com/office/drawing/2014/main" id="{CC25EB59-169C-FE49-B976-0294784B9F8E}"/>
-              </a:ext>
-            </a:extLst>
-          </p:cNvPr>
-          <p:cNvSpPr>
-            <a:spLocks noGrp="1"/>
-          </p:cNvSpPr>
-          <p:nvPr>
-            <p:ph idx="1"/>
-          </p:nvPr>
-        </p:nvSpPr>
-        <p:spPr/>
-        <p:txBody>
-          <a:bodyPr/>
-          <a:lstStyle/>
-          <a:p>
-            <a:r>
-              <a:rPr lang="en-US" dirty="0"/>
-              <a:t>Create connectivity between virtual networks</a:t>
-            </a:r>
-          </a:p>
-          <a:p>
-            <a:r>
-              <a:rPr lang="en-US" dirty="0"/>
-              <a:t>Implement and manage virtual networking</a:t>
-            </a:r>
-          </a:p>
-          <a:p>
-            <a:r>
-              <a:rPr lang="en-US" dirty="0"/>
-              <a:t>Configure name resolution</a:t>
-            </a:r>
-          </a:p>
-          <a:p>
-            <a:r>
-              <a:rPr lang="en-US" dirty="0"/>
-              <a:t>Create and configure a Network Security Group (NSG)</a:t>
-            </a:r>
+              <a:t>Module 4: Configure and Manage Virtual Networks</a:t>
+            </a:r>
+            <a:br>
+              <a:rPr lang="en-US" dirty="0"/>
+            </a:br>
+            <a:endParaRPr lang="en-US" dirty="0"/>
           </a:p>
         </p:txBody>
       </p:sp>
     </p:spTree>
     <p:extLst>
       <p:ext uri="{BB962C8B-B14F-4D97-AF65-F5344CB8AC3E}">
-        <p14:creationId xmlns:p14="http://schemas.microsoft.com/office/powerpoint/2010/main" val="2240203555"/>
+        <p14:creationId xmlns:p14="http://schemas.microsoft.com/office/powerpoint/2010/main" val="3868874865"/>
       </p:ext>
     </p:extLst>
   </p:cSld>
@@ -3431,7 +3432,7 @@
           <a:p>
             <a:r>
               <a:rPr lang="en-US" dirty="0"/>
-              <a:t>Module 4 Learning Objectives (Cont’d)</a:t>
+              <a:t>Module 4 Learning Objectives</a:t>
             </a:r>
           </a:p>
         </p:txBody>
@@ -3459,19 +3460,25 @@
           <a:p>
             <a:r>
               <a:rPr lang="en-US" dirty="0"/>
-              <a:t>Implement Azure load balancer</a:t>
-            </a:r>
-          </a:p>
-          <a:p>
-            <a:r>
-              <a:rPr lang="en-US" dirty="0"/>
-              <a:t>Monitor and troubleshoot virtual networking</a:t>
-            </a:r>
-          </a:p>
-          <a:p>
-            <a:r>
-              <a:rPr lang="en-US" dirty="0"/>
-              <a:t>Integrate on-premises network with Azure virtual network</a:t>
+              <a:t>Create connectivity between virtual networks</a:t>
+            </a:r>
+          </a:p>
+          <a:p>
+            <a:r>
+              <a:rPr lang="en-US" dirty="0"/>
+              <a:t>Implement and manage virtual networking</a:t>
+            </a:r>
+          </a:p>
+          <a:p>
+            <a:r>
+              <a:rPr lang="en-US" dirty="0"/>
+              <a:t>Configure name resolution</a:t>
+            </a:r>
+          </a:p>
+          <a:p>
+            <a:r>
+              <a:rPr lang="en-US" dirty="0"/>
+              <a:t>Create and configure a Network Security Group (NSG)</a:t>
             </a:r>
           </a:p>
         </p:txBody>
@@ -3479,7 +3486,7 @@
     </p:spTree>
     <p:extLst>
       <p:ext uri="{BB962C8B-B14F-4D97-AF65-F5344CB8AC3E}">
-        <p14:creationId xmlns:p14="http://schemas.microsoft.com/office/powerpoint/2010/main" val="2401523501"/>
+        <p14:creationId xmlns:p14="http://schemas.microsoft.com/office/powerpoint/2010/main" val="2240203555"/>
       </p:ext>
     </p:extLst>
   </p:cSld>
@@ -3703,6 +3710,104 @@
           <a:p>
             <a:r>
               <a:rPr lang="en-US" dirty="0"/>
+              <a:t>Module 4 Learning Objectives (Cont’d)</a:t>
+            </a:r>
+          </a:p>
+        </p:txBody>
+      </p:sp>
+      <p:sp>
+        <p:nvSpPr>
+          <p:cNvPr id="3" name="Content Placeholder 2">
+            <a:extLst>
+              <a:ext uri="{FF2B5EF4-FFF2-40B4-BE49-F238E27FC236}">
+                <a16:creationId xmlns:a16="http://schemas.microsoft.com/office/drawing/2014/main" id="{CC25EB59-169C-FE49-B976-0294784B9F8E}"/>
+              </a:ext>
+            </a:extLst>
+          </p:cNvPr>
+          <p:cNvSpPr>
+            <a:spLocks noGrp="1"/>
+          </p:cNvSpPr>
+          <p:nvPr>
+            <p:ph idx="1"/>
+          </p:nvPr>
+        </p:nvSpPr>
+        <p:spPr/>
+        <p:txBody>
+          <a:bodyPr/>
+          <a:lstStyle/>
+          <a:p>
+            <a:r>
+              <a:rPr lang="en-US" dirty="0"/>
+              <a:t>Implement Azure load balancer</a:t>
+            </a:r>
+          </a:p>
+          <a:p>
+            <a:r>
+              <a:rPr lang="en-US" dirty="0"/>
+              <a:t>Monitor and troubleshoot virtual networking</a:t>
+            </a:r>
+          </a:p>
+          <a:p>
+            <a:r>
+              <a:rPr lang="en-US" dirty="0"/>
+              <a:t>Integrate on-premises network with Azure virtual network</a:t>
+            </a:r>
+          </a:p>
+        </p:txBody>
+      </p:sp>
+    </p:spTree>
+    <p:extLst>
+      <p:ext uri="{BB962C8B-B14F-4D97-AF65-F5344CB8AC3E}">
+        <p14:creationId xmlns:p14="http://schemas.microsoft.com/office/powerpoint/2010/main" val="2401523501"/>
+      </p:ext>
+    </p:extLst>
+  </p:cSld>
+  <p:clrMapOvr>
+    <a:masterClrMapping/>
+  </p:clrMapOvr>
+</p:sld>
+</file>
+
+<file path=ppt/slides/slide21.xml><?xml version="1.0" encoding="utf-8"?>
+<p:sld xmlns:a="http://schemas.openxmlformats.org/drawingml/2006/main" xmlns:r="http://schemas.openxmlformats.org/officeDocument/2006/relationships" xmlns:p="http://schemas.openxmlformats.org/presentationml/2006/main">
+  <p:cSld>
+    <p:spTree>
+      <p:nvGrpSpPr>
+        <p:cNvPr id="1" name=""/>
+        <p:cNvGrpSpPr/>
+        <p:nvPr/>
+      </p:nvGrpSpPr>
+      <p:grpSpPr>
+        <a:xfrm>
+          <a:off x="0" y="0"/>
+          <a:ext cx="0" cy="0"/>
+          <a:chOff x="0" y="0"/>
+          <a:chExt cx="0" cy="0"/>
+        </a:xfrm>
+      </p:grpSpPr>
+      <p:sp>
+        <p:nvSpPr>
+          <p:cNvPr id="2" name="Title 1">
+            <a:extLst>
+              <a:ext uri="{FF2B5EF4-FFF2-40B4-BE49-F238E27FC236}">
+                <a16:creationId xmlns:a16="http://schemas.microsoft.com/office/drawing/2014/main" id="{25C6E663-D0AD-564E-AFD0-A2EAFE729E79}"/>
+              </a:ext>
+            </a:extLst>
+          </p:cNvPr>
+          <p:cNvSpPr>
+            <a:spLocks noGrp="1"/>
+          </p:cNvSpPr>
+          <p:nvPr>
+            <p:ph type="title"/>
+          </p:nvPr>
+        </p:nvSpPr>
+        <p:spPr/>
+        <p:txBody>
+          <a:bodyPr/>
+          <a:lstStyle/>
+          <a:p>
+            <a:r>
+              <a:rPr lang="en-US" dirty="0"/>
               <a:t>Module 4 Demo</a:t>
             </a:r>
           </a:p>
@@ -3873,68 +3978,6 @@
 </p:sld>
 </file>
 
-<file path=ppt/slides/slide21.xml><?xml version="1.0" encoding="utf-8"?>
-<p:sld xmlns:a="http://schemas.openxmlformats.org/drawingml/2006/main" xmlns:r="http://schemas.openxmlformats.org/officeDocument/2006/relationships" xmlns:p="http://schemas.openxmlformats.org/presentationml/2006/main">
-  <p:cSld>
-    <p:spTree>
-      <p:nvGrpSpPr>
-        <p:cNvPr id="1" name=""/>
-        <p:cNvGrpSpPr/>
-        <p:nvPr/>
-      </p:nvGrpSpPr>
-      <p:grpSpPr>
-        <a:xfrm>
-          <a:off x="0" y="0"/>
-          <a:ext cx="0" cy="0"/>
-          <a:chOff x="0" y="0"/>
-          <a:chExt cx="0" cy="0"/>
-        </a:xfrm>
-      </p:grpSpPr>
-      <p:sp>
-        <p:nvSpPr>
-          <p:cNvPr id="6" name="Title 5">
-            <a:extLst>
-              <a:ext uri="{FF2B5EF4-FFF2-40B4-BE49-F238E27FC236}">
-                <a16:creationId xmlns:a16="http://schemas.microsoft.com/office/drawing/2014/main" id="{D9FFC0E8-97CE-4426-A0C0-75252002ED16}"/>
-              </a:ext>
-            </a:extLst>
-          </p:cNvPr>
-          <p:cNvSpPr>
-            <a:spLocks noGrp="1"/>
-          </p:cNvSpPr>
-          <p:nvPr>
-            <p:ph type="ctrTitle"/>
-          </p:nvPr>
-        </p:nvSpPr>
-        <p:spPr/>
-        <p:txBody>
-          <a:bodyPr/>
-          <a:lstStyle/>
-          <a:p>
-            <a:r>
-              <a:rPr lang="en-US" dirty="0"/>
-              <a:t>Module 5: Manage Identities</a:t>
-            </a:r>
-            <a:br>
-              <a:rPr lang="en-US" dirty="0"/>
-            </a:br>
-            <a:endParaRPr lang="en-US" dirty="0"/>
-          </a:p>
-        </p:txBody>
-      </p:sp>
-    </p:spTree>
-    <p:extLst>
-      <p:ext uri="{BB962C8B-B14F-4D97-AF65-F5344CB8AC3E}">
-        <p14:creationId xmlns:p14="http://schemas.microsoft.com/office/powerpoint/2010/main" val="2833566753"/>
-      </p:ext>
-    </p:extLst>
-  </p:cSld>
-  <p:clrMapOvr>
-    <a:masterClrMapping/>
-  </p:clrMapOvr>
-</p:sld>
-</file>
-
 <file path=ppt/slides/slide22.xml><?xml version="1.0" encoding="utf-8"?>
 <p:sld xmlns:a="http://schemas.openxmlformats.org/drawingml/2006/main" xmlns:r="http://schemas.openxmlformats.org/officeDocument/2006/relationships" xmlns:p="http://schemas.openxmlformats.org/presentationml/2006/main">
   <p:cSld>
@@ -3954,10 +3997,10 @@
       </p:grpSpPr>
       <p:sp>
         <p:nvSpPr>
-          <p:cNvPr id="2" name="Title 1">
-            <a:extLst>
-              <a:ext uri="{FF2B5EF4-FFF2-40B4-BE49-F238E27FC236}">
-                <a16:creationId xmlns:a16="http://schemas.microsoft.com/office/drawing/2014/main" id="{25C6E663-D0AD-564E-AFD0-A2EAFE729E79}"/>
+          <p:cNvPr id="6" name="Title 5">
+            <a:extLst>
+              <a:ext uri="{FF2B5EF4-FFF2-40B4-BE49-F238E27FC236}">
+                <a16:creationId xmlns:a16="http://schemas.microsoft.com/office/drawing/2014/main" id="{D9FFC0E8-97CE-4426-A0C0-75252002ED16}"/>
               </a:ext>
             </a:extLst>
           </p:cNvPr>
@@ -3965,7 +4008,7 @@
             <a:spLocks noGrp="1"/>
           </p:cNvSpPr>
           <p:nvPr>
-            <p:ph type="title"/>
+            <p:ph type="ctrTitle"/>
           </p:nvPr>
         </p:nvSpPr>
         <p:spPr/>
@@ -3975,61 +4018,19 @@
           <a:p>
             <a:r>
               <a:rPr lang="en-US" dirty="0"/>
-              <a:t>Module 5 Learning Objectives</a:t>
-            </a:r>
-          </a:p>
-        </p:txBody>
-      </p:sp>
-      <p:sp>
-        <p:nvSpPr>
-          <p:cNvPr id="3" name="Content Placeholder 2">
-            <a:extLst>
-              <a:ext uri="{FF2B5EF4-FFF2-40B4-BE49-F238E27FC236}">
-                <a16:creationId xmlns:a16="http://schemas.microsoft.com/office/drawing/2014/main" id="{CC25EB59-169C-FE49-B976-0294784B9F8E}"/>
-              </a:ext>
-            </a:extLst>
-          </p:cNvPr>
-          <p:cNvSpPr>
-            <a:spLocks noGrp="1"/>
-          </p:cNvSpPr>
-          <p:nvPr>
-            <p:ph idx="1"/>
-          </p:nvPr>
-        </p:nvSpPr>
-        <p:spPr/>
-        <p:txBody>
-          <a:bodyPr/>
-          <a:lstStyle/>
-          <a:p>
-            <a:r>
-              <a:rPr lang="en-US" dirty="0"/>
-              <a:t>Manage Azure Active Directory</a:t>
-            </a:r>
-          </a:p>
-          <a:p>
-            <a:r>
-              <a:rPr lang="en-US" dirty="0"/>
-              <a:t>Manage Azure AD objects (users, groups, devices)</a:t>
-            </a:r>
-          </a:p>
-          <a:p>
-            <a:r>
-              <a:rPr lang="en-US" dirty="0"/>
-              <a:t>Implement and manage hybrid identities</a:t>
-            </a:r>
-          </a:p>
-          <a:p>
-            <a:r>
-              <a:rPr lang="en-US" dirty="0"/>
-              <a:t>Implement multi-factor authentication (MFA)</a:t>
-            </a:r>
+              <a:t>Module 5: Manage Identities</a:t>
+            </a:r>
+            <a:br>
+              <a:rPr lang="en-US" dirty="0"/>
+            </a:br>
+            <a:endParaRPr lang="en-US" dirty="0"/>
           </a:p>
         </p:txBody>
       </p:sp>
     </p:spTree>
     <p:extLst>
       <p:ext uri="{BB962C8B-B14F-4D97-AF65-F5344CB8AC3E}">
-        <p14:creationId xmlns:p14="http://schemas.microsoft.com/office/powerpoint/2010/main" val="45032188"/>
+        <p14:creationId xmlns:p14="http://schemas.microsoft.com/office/powerpoint/2010/main" val="2833566753"/>
       </p:ext>
     </p:extLst>
   </p:cSld>
@@ -4079,6 +4080,110 @@
           <a:p>
             <a:r>
               <a:rPr lang="en-US" dirty="0"/>
+              <a:t>Module 5 Learning Objectives</a:t>
+            </a:r>
+          </a:p>
+        </p:txBody>
+      </p:sp>
+      <p:sp>
+        <p:nvSpPr>
+          <p:cNvPr id="3" name="Content Placeholder 2">
+            <a:extLst>
+              <a:ext uri="{FF2B5EF4-FFF2-40B4-BE49-F238E27FC236}">
+                <a16:creationId xmlns:a16="http://schemas.microsoft.com/office/drawing/2014/main" id="{CC25EB59-169C-FE49-B976-0294784B9F8E}"/>
+              </a:ext>
+            </a:extLst>
+          </p:cNvPr>
+          <p:cNvSpPr>
+            <a:spLocks noGrp="1"/>
+          </p:cNvSpPr>
+          <p:nvPr>
+            <p:ph idx="1"/>
+          </p:nvPr>
+        </p:nvSpPr>
+        <p:spPr/>
+        <p:txBody>
+          <a:bodyPr/>
+          <a:lstStyle/>
+          <a:p>
+            <a:r>
+              <a:rPr lang="en-US" dirty="0"/>
+              <a:t>Manage Azure Active Directory</a:t>
+            </a:r>
+          </a:p>
+          <a:p>
+            <a:r>
+              <a:rPr lang="en-US" dirty="0"/>
+              <a:t>Manage Azure AD objects (users, groups, devices)</a:t>
+            </a:r>
+          </a:p>
+          <a:p>
+            <a:r>
+              <a:rPr lang="en-US" dirty="0"/>
+              <a:t>Implement and manage hybrid identities</a:t>
+            </a:r>
+          </a:p>
+          <a:p>
+            <a:r>
+              <a:rPr lang="en-US" dirty="0"/>
+              <a:t>Implement multi-factor authentication (MFA)</a:t>
+            </a:r>
+          </a:p>
+        </p:txBody>
+      </p:sp>
+    </p:spTree>
+    <p:extLst>
+      <p:ext uri="{BB962C8B-B14F-4D97-AF65-F5344CB8AC3E}">
+        <p14:creationId xmlns:p14="http://schemas.microsoft.com/office/powerpoint/2010/main" val="45032188"/>
+      </p:ext>
+    </p:extLst>
+  </p:cSld>
+  <p:clrMapOvr>
+    <a:masterClrMapping/>
+  </p:clrMapOvr>
+</p:sld>
+</file>
+
+<file path=ppt/slides/slide24.xml><?xml version="1.0" encoding="utf-8"?>
+<p:sld xmlns:a="http://schemas.openxmlformats.org/drawingml/2006/main" xmlns:r="http://schemas.openxmlformats.org/officeDocument/2006/relationships" xmlns:p="http://schemas.openxmlformats.org/presentationml/2006/main">
+  <p:cSld>
+    <p:spTree>
+      <p:nvGrpSpPr>
+        <p:cNvPr id="1" name=""/>
+        <p:cNvGrpSpPr/>
+        <p:nvPr/>
+      </p:nvGrpSpPr>
+      <p:grpSpPr>
+        <a:xfrm>
+          <a:off x="0" y="0"/>
+          <a:ext cx="0" cy="0"/>
+          <a:chOff x="0" y="0"/>
+          <a:chExt cx="0" cy="0"/>
+        </a:xfrm>
+      </p:grpSpPr>
+      <p:sp>
+        <p:nvSpPr>
+          <p:cNvPr id="2" name="Title 1">
+            <a:extLst>
+              <a:ext uri="{FF2B5EF4-FFF2-40B4-BE49-F238E27FC236}">
+                <a16:creationId xmlns:a16="http://schemas.microsoft.com/office/drawing/2014/main" id="{25C6E663-D0AD-564E-AFD0-A2EAFE729E79}"/>
+              </a:ext>
+            </a:extLst>
+          </p:cNvPr>
+          <p:cNvSpPr>
+            <a:spLocks noGrp="1"/>
+          </p:cNvSpPr>
+          <p:nvPr>
+            <p:ph type="title"/>
+          </p:nvPr>
+        </p:nvSpPr>
+        <p:spPr/>
+        <p:txBody>
+          <a:bodyPr/>
+          <a:lstStyle/>
+          <a:p>
+            <a:r>
+              <a:rPr lang="en-US" dirty="0"/>
               <a:t>Module 5 Demo</a:t>
             </a:r>
           </a:p>
@@ -4265,68 +4370,6 @@
 </p:sld>
 </file>
 
-<file path=ppt/slides/slide24.xml><?xml version="1.0" encoding="utf-8"?>
-<p:sld xmlns:a="http://schemas.openxmlformats.org/drawingml/2006/main" xmlns:r="http://schemas.openxmlformats.org/officeDocument/2006/relationships" xmlns:p="http://schemas.openxmlformats.org/presentationml/2006/main">
-  <p:cSld>
-    <p:spTree>
-      <p:nvGrpSpPr>
-        <p:cNvPr id="1" name=""/>
-        <p:cNvGrpSpPr/>
-        <p:nvPr/>
-      </p:nvGrpSpPr>
-      <p:grpSpPr>
-        <a:xfrm>
-          <a:off x="0" y="0"/>
-          <a:ext cx="0" cy="0"/>
-          <a:chOff x="0" y="0"/>
-          <a:chExt cx="0" cy="0"/>
-        </a:xfrm>
-      </p:grpSpPr>
-      <p:sp>
-        <p:nvSpPr>
-          <p:cNvPr id="6" name="Title 5">
-            <a:extLst>
-              <a:ext uri="{FF2B5EF4-FFF2-40B4-BE49-F238E27FC236}">
-                <a16:creationId xmlns:a16="http://schemas.microsoft.com/office/drawing/2014/main" id="{D9FFC0E8-97CE-4426-A0C0-75252002ED16}"/>
-              </a:ext>
-            </a:extLst>
-          </p:cNvPr>
-          <p:cNvSpPr>
-            <a:spLocks noGrp="1"/>
-          </p:cNvSpPr>
-          <p:nvPr>
-            <p:ph type="ctrTitle"/>
-          </p:nvPr>
-        </p:nvSpPr>
-        <p:spPr/>
-        <p:txBody>
-          <a:bodyPr/>
-          <a:lstStyle/>
-          <a:p>
-            <a:r>
-              <a:rPr lang="en-US" dirty="0"/>
-              <a:t>Module 6: Exam AZ-103 Study Strategy </a:t>
-            </a:r>
-            <a:br>
-              <a:rPr lang="en-US" dirty="0"/>
-            </a:br>
-            <a:endParaRPr lang="en-US" dirty="0"/>
-          </a:p>
-        </p:txBody>
-      </p:sp>
-    </p:spTree>
-    <p:extLst>
-      <p:ext uri="{BB962C8B-B14F-4D97-AF65-F5344CB8AC3E}">
-        <p14:creationId xmlns:p14="http://schemas.microsoft.com/office/powerpoint/2010/main" val="3869892258"/>
-      </p:ext>
-    </p:extLst>
-  </p:cSld>
-  <p:clrMapOvr>
-    <a:masterClrMapping/>
-  </p:clrMapOvr>
-</p:sld>
-</file>
-
 <file path=ppt/slides/slide25.xml><?xml version="1.0" encoding="utf-8"?>
 <p:sld xmlns:a="http://schemas.openxmlformats.org/drawingml/2006/main" xmlns:r="http://schemas.openxmlformats.org/officeDocument/2006/relationships" xmlns:p="http://schemas.openxmlformats.org/presentationml/2006/main">
   <p:cSld>
@@ -4346,10 +4389,10 @@
       </p:grpSpPr>
       <p:sp>
         <p:nvSpPr>
-          <p:cNvPr id="2" name="Title 1">
-            <a:extLst>
-              <a:ext uri="{FF2B5EF4-FFF2-40B4-BE49-F238E27FC236}">
-                <a16:creationId xmlns:a16="http://schemas.microsoft.com/office/drawing/2014/main" id="{25C6E663-D0AD-564E-AFD0-A2EAFE729E79}"/>
+          <p:cNvPr id="6" name="Title 5">
+            <a:extLst>
+              <a:ext uri="{FF2B5EF4-FFF2-40B4-BE49-F238E27FC236}">
+                <a16:creationId xmlns:a16="http://schemas.microsoft.com/office/drawing/2014/main" id="{D9FFC0E8-97CE-4426-A0C0-75252002ED16}"/>
               </a:ext>
             </a:extLst>
           </p:cNvPr>
@@ -4357,7 +4400,7 @@
             <a:spLocks noGrp="1"/>
           </p:cNvSpPr>
           <p:nvPr>
-            <p:ph type="title"/>
+            <p:ph type="ctrTitle"/>
           </p:nvPr>
         </p:nvSpPr>
         <p:spPr/>
@@ -4367,56 +4410,11 @@
           <a:p>
             <a:r>
               <a:rPr lang="en-US" dirty="0"/>
-              <a:t>Module 6 Learning Objectives</a:t>
-            </a:r>
-          </a:p>
-        </p:txBody>
-      </p:sp>
-      <p:sp>
-        <p:nvSpPr>
-          <p:cNvPr id="3" name="Content Placeholder 2">
-            <a:extLst>
-              <a:ext uri="{FF2B5EF4-FFF2-40B4-BE49-F238E27FC236}">
-                <a16:creationId xmlns:a16="http://schemas.microsoft.com/office/drawing/2014/main" id="{CC25EB59-169C-FE49-B976-0294784B9F8E}"/>
-              </a:ext>
-            </a:extLst>
-          </p:cNvPr>
-          <p:cNvSpPr>
-            <a:spLocks noGrp="1"/>
-          </p:cNvSpPr>
-          <p:nvPr>
-            <p:ph idx="1"/>
-          </p:nvPr>
-        </p:nvSpPr>
-        <p:spPr/>
-        <p:txBody>
-          <a:bodyPr/>
-          <a:lstStyle/>
-          <a:p>
-            <a:r>
-              <a:rPr lang="en-US" dirty="0"/>
-              <a:t>Master the concepts</a:t>
-            </a:r>
-          </a:p>
-          <a:p>
-            <a:r>
-              <a:rPr lang="en-US" dirty="0"/>
-              <a:t>Master the hands-on skills</a:t>
-            </a:r>
-          </a:p>
-          <a:p>
-            <a:r>
-              <a:rPr lang="en-US" dirty="0"/>
-              <a:t>Master test-taking skills</a:t>
-            </a:r>
-          </a:p>
-          <a:p>
-            <a:r>
-              <a:rPr lang="en-US" dirty="0"/>
-              <a:t>Know what to expect before, during, and after the exam</a:t>
-            </a:r>
-          </a:p>
-          <a:p>
+              <a:t>Module 6: Exam AZ-103 Study Strategy </a:t>
+            </a:r>
+            <a:br>
+              <a:rPr lang="en-US" dirty="0"/>
+            </a:br>
             <a:endParaRPr lang="en-US" dirty="0"/>
           </a:p>
         </p:txBody>
@@ -4424,7 +4422,7 @@
     </p:spTree>
     <p:extLst>
       <p:ext uri="{BB962C8B-B14F-4D97-AF65-F5344CB8AC3E}">
-        <p14:creationId xmlns:p14="http://schemas.microsoft.com/office/powerpoint/2010/main" val="4217891580"/>
+        <p14:creationId xmlns:p14="http://schemas.microsoft.com/office/powerpoint/2010/main" val="3869892258"/>
       </p:ext>
     </p:extLst>
   </p:cSld>
@@ -4474,6 +4472,113 @@
           <a:p>
             <a:r>
               <a:rPr lang="en-US" dirty="0"/>
+              <a:t>Module 6 Learning Objectives</a:t>
+            </a:r>
+          </a:p>
+        </p:txBody>
+      </p:sp>
+      <p:sp>
+        <p:nvSpPr>
+          <p:cNvPr id="3" name="Content Placeholder 2">
+            <a:extLst>
+              <a:ext uri="{FF2B5EF4-FFF2-40B4-BE49-F238E27FC236}">
+                <a16:creationId xmlns:a16="http://schemas.microsoft.com/office/drawing/2014/main" id="{CC25EB59-169C-FE49-B976-0294784B9F8E}"/>
+              </a:ext>
+            </a:extLst>
+          </p:cNvPr>
+          <p:cNvSpPr>
+            <a:spLocks noGrp="1"/>
+          </p:cNvSpPr>
+          <p:nvPr>
+            <p:ph idx="1"/>
+          </p:nvPr>
+        </p:nvSpPr>
+        <p:spPr/>
+        <p:txBody>
+          <a:bodyPr/>
+          <a:lstStyle/>
+          <a:p>
+            <a:r>
+              <a:rPr lang="en-US" dirty="0"/>
+              <a:t>Master the concepts</a:t>
+            </a:r>
+          </a:p>
+          <a:p>
+            <a:r>
+              <a:rPr lang="en-US" dirty="0"/>
+              <a:t>Master the hands-on skills</a:t>
+            </a:r>
+          </a:p>
+          <a:p>
+            <a:r>
+              <a:rPr lang="en-US" dirty="0"/>
+              <a:t>Master test-taking skills</a:t>
+            </a:r>
+          </a:p>
+          <a:p>
+            <a:r>
+              <a:rPr lang="en-US" dirty="0"/>
+              <a:t>Know what to expect before, during, and after the exam</a:t>
+            </a:r>
+          </a:p>
+          <a:p>
+            <a:endParaRPr lang="en-US" dirty="0"/>
+          </a:p>
+        </p:txBody>
+      </p:sp>
+    </p:spTree>
+    <p:extLst>
+      <p:ext uri="{BB962C8B-B14F-4D97-AF65-F5344CB8AC3E}">
+        <p14:creationId xmlns:p14="http://schemas.microsoft.com/office/powerpoint/2010/main" val="4217891580"/>
+      </p:ext>
+    </p:extLst>
+  </p:cSld>
+  <p:clrMapOvr>
+    <a:masterClrMapping/>
+  </p:clrMapOvr>
+</p:sld>
+</file>
+
+<file path=ppt/slides/slide27.xml><?xml version="1.0" encoding="utf-8"?>
+<p:sld xmlns:a="http://schemas.openxmlformats.org/drawingml/2006/main" xmlns:r="http://schemas.openxmlformats.org/officeDocument/2006/relationships" xmlns:p="http://schemas.openxmlformats.org/presentationml/2006/main">
+  <p:cSld>
+    <p:spTree>
+      <p:nvGrpSpPr>
+        <p:cNvPr id="1" name=""/>
+        <p:cNvGrpSpPr/>
+        <p:nvPr/>
+      </p:nvGrpSpPr>
+      <p:grpSpPr>
+        <a:xfrm>
+          <a:off x="0" y="0"/>
+          <a:ext cx="0" cy="0"/>
+          <a:chOff x="0" y="0"/>
+          <a:chExt cx="0" cy="0"/>
+        </a:xfrm>
+      </p:grpSpPr>
+      <p:sp>
+        <p:nvSpPr>
+          <p:cNvPr id="2" name="Title 1">
+            <a:extLst>
+              <a:ext uri="{FF2B5EF4-FFF2-40B4-BE49-F238E27FC236}">
+                <a16:creationId xmlns:a16="http://schemas.microsoft.com/office/drawing/2014/main" id="{25C6E663-D0AD-564E-AFD0-A2EAFE729E79}"/>
+              </a:ext>
+            </a:extLst>
+          </p:cNvPr>
+          <p:cNvSpPr>
+            <a:spLocks noGrp="1"/>
+          </p:cNvSpPr>
+          <p:nvPr>
+            <p:ph type="title"/>
+          </p:nvPr>
+        </p:nvSpPr>
+        <p:spPr/>
+        <p:txBody>
+          <a:bodyPr/>
+          <a:lstStyle/>
+          <a:p>
+            <a:r>
+              <a:rPr lang="en-US" dirty="0"/>
               <a:t>Module 6 Demo</a:t>
             </a:r>
           </a:p>
@@ -4651,7 +4756,7 @@
 </p:sld>
 </file>
 
-<file path=ppt/slides/slide27.xml><?xml version="1.0" encoding="utf-8"?>
+<file path=ppt/slides/slide28.xml><?xml version="1.0" encoding="utf-8"?>
 <p:sld xmlns:a="http://schemas.openxmlformats.org/drawingml/2006/main" xmlns:r="http://schemas.openxmlformats.org/officeDocument/2006/relationships" xmlns:p="http://schemas.openxmlformats.org/presentationml/2006/main">
   <p:cSld>
     <p:spTree>
@@ -4713,7 +4818,7 @@
 </p:sld>
 </file>
 
-<file path=ppt/slides/slide28.xml><?xml version="1.0" encoding="utf-8"?>
+<file path=ppt/slides/slide29.xml><?xml version="1.0" encoding="utf-8"?>
 <p:sld xmlns:a="http://schemas.openxmlformats.org/drawingml/2006/main" xmlns:r="http://schemas.openxmlformats.org/officeDocument/2006/relationships" xmlns:p="http://schemas.openxmlformats.org/presentationml/2006/main">
   <p:cSld>
     <p:spTree>
@@ -4806,7 +4911,392 @@
 </p:sld>
 </file>
 
-<file path=ppt/slides/slide29.xml><?xml version="1.0" encoding="utf-8"?>
+<file path=ppt/slides/slide3.xml><?xml version="1.0" encoding="utf-8"?>
+<p:sld xmlns:a="http://schemas.openxmlformats.org/drawingml/2006/main" xmlns:r="http://schemas.openxmlformats.org/officeDocument/2006/relationships" xmlns:p="http://schemas.openxmlformats.org/presentationml/2006/main">
+  <p:cSld>
+    <p:spTree>
+      <p:nvGrpSpPr>
+        <p:cNvPr id="1" name=""/>
+        <p:cNvGrpSpPr/>
+        <p:nvPr/>
+      </p:nvGrpSpPr>
+      <p:grpSpPr>
+        <a:xfrm>
+          <a:off x="0" y="0"/>
+          <a:ext cx="0" cy="0"/>
+          <a:chOff x="0" y="0"/>
+          <a:chExt cx="0" cy="0"/>
+        </a:xfrm>
+      </p:grpSpPr>
+      <p:sp>
+        <p:nvSpPr>
+          <p:cNvPr id="2" name="Title 1">
+            <a:extLst>
+              <a:ext uri="{FF2B5EF4-FFF2-40B4-BE49-F238E27FC236}">
+                <a16:creationId xmlns:a16="http://schemas.microsoft.com/office/drawing/2014/main" id="{9499EFF8-D9AC-F84D-8949-EF6A66C51733}"/>
+              </a:ext>
+            </a:extLst>
+          </p:cNvPr>
+          <p:cNvSpPr>
+            <a:spLocks noGrp="1"/>
+          </p:cNvSpPr>
+          <p:nvPr>
+            <p:ph type="title"/>
+          </p:nvPr>
+        </p:nvSpPr>
+        <p:spPr/>
+        <p:txBody>
+          <a:bodyPr/>
+          <a:lstStyle/>
+          <a:p>
+            <a:r>
+              <a:rPr lang="en-US" dirty="0"/>
+              <a:t>Day 1 of 2 Agenda</a:t>
+            </a:r>
+          </a:p>
+        </p:txBody>
+      </p:sp>
+      <p:sp>
+        <p:nvSpPr>
+          <p:cNvPr id="3" name="Content Placeholder 2">
+            <a:extLst>
+              <a:ext uri="{FF2B5EF4-FFF2-40B4-BE49-F238E27FC236}">
+                <a16:creationId xmlns:a16="http://schemas.microsoft.com/office/drawing/2014/main" id="{510B1FA3-9927-F74A-8D15-783CB3AE14C0}"/>
+              </a:ext>
+            </a:extLst>
+          </p:cNvPr>
+          <p:cNvSpPr>
+            <a:spLocks noGrp="1"/>
+          </p:cNvSpPr>
+          <p:nvPr>
+            <p:ph idx="1"/>
+          </p:nvPr>
+        </p:nvSpPr>
+        <p:spPr/>
+        <p:txBody>
+          <a:bodyPr/>
+          <a:lstStyle/>
+          <a:p>
+            <a:r>
+              <a:rPr lang="en-US" dirty="0"/>
+              <a:t>Introduction</a:t>
+            </a:r>
+          </a:p>
+          <a:p>
+            <a:r>
+              <a:rPr lang="en-US" dirty="0"/>
+              <a:t>Module 1: Manage Azure Subscriptions and Resources</a:t>
+            </a:r>
+          </a:p>
+          <a:p>
+            <a:r>
+              <a:rPr lang="en-US" dirty="0"/>
+              <a:t>Module 2 Implement and Manage Storage</a:t>
+            </a:r>
+          </a:p>
+          <a:p>
+            <a:r>
+              <a:rPr lang="en-US" dirty="0"/>
+              <a:t>Module 3: Deploy and Manage Virtual Machines</a:t>
+            </a:r>
+          </a:p>
+          <a:p>
+            <a:r>
+              <a:rPr lang="en-US" dirty="0"/>
+              <a:t>Synthesis and look ahead to Day 2</a:t>
+            </a:r>
+          </a:p>
+        </p:txBody>
+      </p:sp>
+    </p:spTree>
+    <p:extLst>
+      <p:ext uri="{BB962C8B-B14F-4D97-AF65-F5344CB8AC3E}">
+        <p14:creationId xmlns:p14="http://schemas.microsoft.com/office/powerpoint/2010/main" val="164563528"/>
+      </p:ext>
+    </p:extLst>
+  </p:cSld>
+  <p:clrMapOvr>
+    <a:masterClrMapping/>
+  </p:clrMapOvr>
+  <p:timing>
+    <p:tnLst>
+      <p:par>
+        <p:cTn id="1" dur="indefinite" restart="never" nodeType="tmRoot">
+          <p:childTnLst>
+            <p:seq concurrent="1" nextAc="seek">
+              <p:cTn id="2" dur="indefinite" nodeType="mainSeq">
+                <p:childTnLst>
+                  <p:par>
+                    <p:cTn id="3" fill="hold">
+                      <p:stCondLst>
+                        <p:cond delay="indefinite"/>
+                      </p:stCondLst>
+                      <p:childTnLst>
+                        <p:par>
+                          <p:cTn id="4" fill="hold">
+                            <p:stCondLst>
+                              <p:cond delay="0"/>
+                            </p:stCondLst>
+                            <p:childTnLst>
+                              <p:par>
+                                <p:cTn id="5" presetID="1" presetClass="entr" presetSubtype="0" fill="hold" nodeType="clickEffect">
+                                  <p:stCondLst>
+                                    <p:cond delay="0"/>
+                                  </p:stCondLst>
+                                  <p:childTnLst>
+                                    <p:set>
+                                      <p:cBhvr>
+                                        <p:cTn id="6" dur="1" fill="hold">
+                                          <p:stCondLst>
+                                            <p:cond delay="0"/>
+                                          </p:stCondLst>
+                                        </p:cTn>
+                                        <p:tgtEl>
+                                          <p:spTgt spid="3">
+                                            <p:txEl>
+                                              <p:pRg st="0" end="0"/>
+                                            </p:txEl>
+                                          </p:spTgt>
+                                        </p:tgtEl>
+                                        <p:attrNameLst>
+                                          <p:attrName>style.visibility</p:attrName>
+                                        </p:attrNameLst>
+                                      </p:cBhvr>
+                                      <p:to>
+                                        <p:strVal val="visible"/>
+                                      </p:to>
+                                    </p:set>
+                                  </p:childTnLst>
+                                </p:cTn>
+                              </p:par>
+                            </p:childTnLst>
+                          </p:cTn>
+                        </p:par>
+                      </p:childTnLst>
+                    </p:cTn>
+                  </p:par>
+                  <p:par>
+                    <p:cTn id="7" fill="hold">
+                      <p:stCondLst>
+                        <p:cond delay="indefinite"/>
+                      </p:stCondLst>
+                      <p:childTnLst>
+                        <p:par>
+                          <p:cTn id="8" fill="hold">
+                            <p:stCondLst>
+                              <p:cond delay="0"/>
+                            </p:stCondLst>
+                            <p:childTnLst>
+                              <p:par>
+                                <p:cTn id="9" presetID="1" presetClass="entr" presetSubtype="0" fill="hold" nodeType="clickEffect">
+                                  <p:stCondLst>
+                                    <p:cond delay="0"/>
+                                  </p:stCondLst>
+                                  <p:childTnLst>
+                                    <p:set>
+                                      <p:cBhvr>
+                                        <p:cTn id="10" dur="1" fill="hold">
+                                          <p:stCondLst>
+                                            <p:cond delay="0"/>
+                                          </p:stCondLst>
+                                        </p:cTn>
+                                        <p:tgtEl>
+                                          <p:spTgt spid="3">
+                                            <p:txEl>
+                                              <p:pRg st="1" end="1"/>
+                                            </p:txEl>
+                                          </p:spTgt>
+                                        </p:tgtEl>
+                                        <p:attrNameLst>
+                                          <p:attrName>style.visibility</p:attrName>
+                                        </p:attrNameLst>
+                                      </p:cBhvr>
+                                      <p:to>
+                                        <p:strVal val="visible"/>
+                                      </p:to>
+                                    </p:set>
+                                  </p:childTnLst>
+                                </p:cTn>
+                              </p:par>
+                            </p:childTnLst>
+                          </p:cTn>
+                        </p:par>
+                      </p:childTnLst>
+                    </p:cTn>
+                  </p:par>
+                  <p:par>
+                    <p:cTn id="11" fill="hold">
+                      <p:stCondLst>
+                        <p:cond delay="indefinite"/>
+                      </p:stCondLst>
+                      <p:childTnLst>
+                        <p:par>
+                          <p:cTn id="12" fill="hold">
+                            <p:stCondLst>
+                              <p:cond delay="0"/>
+                            </p:stCondLst>
+                            <p:childTnLst>
+                              <p:par>
+                                <p:cTn id="13" presetID="1" presetClass="entr" presetSubtype="0" fill="hold" nodeType="clickEffect">
+                                  <p:stCondLst>
+                                    <p:cond delay="0"/>
+                                  </p:stCondLst>
+                                  <p:childTnLst>
+                                    <p:set>
+                                      <p:cBhvr>
+                                        <p:cTn id="14" dur="1" fill="hold">
+                                          <p:stCondLst>
+                                            <p:cond delay="0"/>
+                                          </p:stCondLst>
+                                        </p:cTn>
+                                        <p:tgtEl>
+                                          <p:spTgt spid="3">
+                                            <p:txEl>
+                                              <p:pRg st="2" end="2"/>
+                                            </p:txEl>
+                                          </p:spTgt>
+                                        </p:tgtEl>
+                                        <p:attrNameLst>
+                                          <p:attrName>style.visibility</p:attrName>
+                                        </p:attrNameLst>
+                                      </p:cBhvr>
+                                      <p:to>
+                                        <p:strVal val="visible"/>
+                                      </p:to>
+                                    </p:set>
+                                  </p:childTnLst>
+                                </p:cTn>
+                              </p:par>
+                            </p:childTnLst>
+                          </p:cTn>
+                        </p:par>
+                      </p:childTnLst>
+                    </p:cTn>
+                  </p:par>
+                  <p:par>
+                    <p:cTn id="15" fill="hold">
+                      <p:stCondLst>
+                        <p:cond delay="indefinite"/>
+                      </p:stCondLst>
+                      <p:childTnLst>
+                        <p:par>
+                          <p:cTn id="16" fill="hold">
+                            <p:stCondLst>
+                              <p:cond delay="0"/>
+                            </p:stCondLst>
+                            <p:childTnLst>
+                              <p:par>
+                                <p:cTn id="17" presetID="1" presetClass="entr" presetSubtype="0" fill="hold" nodeType="clickEffect">
+                                  <p:stCondLst>
+                                    <p:cond delay="0"/>
+                                  </p:stCondLst>
+                                  <p:childTnLst>
+                                    <p:set>
+                                      <p:cBhvr>
+                                        <p:cTn id="18" dur="1" fill="hold">
+                                          <p:stCondLst>
+                                            <p:cond delay="0"/>
+                                          </p:stCondLst>
+                                        </p:cTn>
+                                        <p:tgtEl>
+                                          <p:spTgt spid="3">
+                                            <p:txEl>
+                                              <p:pRg st="3" end="3"/>
+                                            </p:txEl>
+                                          </p:spTgt>
+                                        </p:tgtEl>
+                                        <p:attrNameLst>
+                                          <p:attrName>style.visibility</p:attrName>
+                                        </p:attrNameLst>
+                                      </p:cBhvr>
+                                      <p:to>
+                                        <p:strVal val="visible"/>
+                                      </p:to>
+                                    </p:set>
+                                  </p:childTnLst>
+                                </p:cTn>
+                              </p:par>
+                            </p:childTnLst>
+                          </p:cTn>
+                        </p:par>
+                      </p:childTnLst>
+                    </p:cTn>
+                  </p:par>
+                  <p:par>
+                    <p:cTn id="19" fill="hold">
+                      <p:stCondLst>
+                        <p:cond delay="indefinite"/>
+                      </p:stCondLst>
+                      <p:childTnLst>
+                        <p:par>
+                          <p:cTn id="20" fill="hold">
+                            <p:stCondLst>
+                              <p:cond delay="0"/>
+                            </p:stCondLst>
+                            <p:childTnLst>
+                              <p:par>
+                                <p:cTn id="21" presetID="1" presetClass="entr" presetSubtype="0" fill="hold" nodeType="clickEffect">
+                                  <p:stCondLst>
+                                    <p:cond delay="0"/>
+                                  </p:stCondLst>
+                                  <p:childTnLst>
+                                    <p:set>
+                                      <p:cBhvr>
+                                        <p:cTn id="22" dur="1" fill="hold">
+                                          <p:stCondLst>
+                                            <p:cond delay="0"/>
+                                          </p:stCondLst>
+                                        </p:cTn>
+                                        <p:tgtEl>
+                                          <p:spTgt spid="3">
+                                            <p:txEl>
+                                              <p:pRg st="4" end="4"/>
+                                            </p:txEl>
+                                          </p:spTgt>
+                                        </p:tgtEl>
+                                        <p:attrNameLst>
+                                          <p:attrName>style.visibility</p:attrName>
+                                        </p:attrNameLst>
+                                      </p:cBhvr>
+                                      <p:to>
+                                        <p:strVal val="visible"/>
+                                      </p:to>
+                                    </p:set>
+                                  </p:childTnLst>
+                                </p:cTn>
+                              </p:par>
+                            </p:childTnLst>
+                          </p:cTn>
+                        </p:par>
+                      </p:childTnLst>
+                    </p:cTn>
+                  </p:par>
+                </p:childTnLst>
+              </p:cTn>
+              <p:prevCondLst>
+                <p:cond evt="onPrev" delay="0">
+                  <p:tgtEl>
+                    <p:sldTgt/>
+                  </p:tgtEl>
+                </p:cond>
+              </p:prevCondLst>
+              <p:nextCondLst>
+                <p:cond evt="onNext" delay="0">
+                  <p:tgtEl>
+                    <p:sldTgt/>
+                  </p:tgtEl>
+                </p:cond>
+              </p:nextCondLst>
+            </p:seq>
+          </p:childTnLst>
+        </p:cTn>
+      </p:par>
+    </p:tnLst>
+  </p:timing>
+</p:sld>
+</file>
+
+<file path=ppt/slides/slide30.xml><?xml version="1.0" encoding="utf-8"?>
 <p:sld xmlns:a="http://schemas.openxmlformats.org/drawingml/2006/main" xmlns:r="http://schemas.openxmlformats.org/officeDocument/2006/relationships" xmlns:p="http://schemas.openxmlformats.org/presentationml/2006/main">
   <p:cSld>
     <p:spTree>
@@ -4894,248 +5384,6 @@
 </p:sld>
 </file>
 
-<file path=ppt/slides/slide3.xml><?xml version="1.0" encoding="utf-8"?>
-<p:sld xmlns:a="http://schemas.openxmlformats.org/drawingml/2006/main" xmlns:r="http://schemas.openxmlformats.org/officeDocument/2006/relationships" xmlns:p="http://schemas.openxmlformats.org/presentationml/2006/main">
-  <p:cSld>
-    <p:spTree>
-      <p:nvGrpSpPr>
-        <p:cNvPr id="1" name=""/>
-        <p:cNvGrpSpPr/>
-        <p:nvPr/>
-      </p:nvGrpSpPr>
-      <p:grpSpPr>
-        <a:xfrm>
-          <a:off x="0" y="0"/>
-          <a:ext cx="0" cy="0"/>
-          <a:chOff x="0" y="0"/>
-          <a:chExt cx="0" cy="0"/>
-        </a:xfrm>
-      </p:grpSpPr>
-      <p:sp>
-        <p:nvSpPr>
-          <p:cNvPr id="2" name="Title 1">
-            <a:extLst>
-              <a:ext uri="{FF2B5EF4-FFF2-40B4-BE49-F238E27FC236}">
-                <a16:creationId xmlns:a16="http://schemas.microsoft.com/office/drawing/2014/main" id="{9499EFF8-D9AC-F84D-8949-EF6A66C51733}"/>
-              </a:ext>
-            </a:extLst>
-          </p:cNvPr>
-          <p:cNvSpPr>
-            <a:spLocks noGrp="1"/>
-          </p:cNvSpPr>
-          <p:nvPr>
-            <p:ph type="title"/>
-          </p:nvPr>
-        </p:nvSpPr>
-        <p:spPr/>
-        <p:txBody>
-          <a:bodyPr/>
-          <a:lstStyle/>
-          <a:p>
-            <a:r>
-              <a:rPr lang="en-US" dirty="0"/>
-              <a:t>Day 1 of 2 Agenda</a:t>
-            </a:r>
-          </a:p>
-        </p:txBody>
-      </p:sp>
-      <p:sp>
-        <p:nvSpPr>
-          <p:cNvPr id="3" name="Content Placeholder 2">
-            <a:extLst>
-              <a:ext uri="{FF2B5EF4-FFF2-40B4-BE49-F238E27FC236}">
-                <a16:creationId xmlns:a16="http://schemas.microsoft.com/office/drawing/2014/main" id="{510B1FA3-9927-F74A-8D15-783CB3AE14C0}"/>
-              </a:ext>
-            </a:extLst>
-          </p:cNvPr>
-          <p:cNvSpPr>
-            <a:spLocks noGrp="1"/>
-          </p:cNvSpPr>
-          <p:nvPr>
-            <p:ph idx="1"/>
-          </p:nvPr>
-        </p:nvSpPr>
-        <p:spPr/>
-        <p:txBody>
-          <a:bodyPr/>
-          <a:lstStyle/>
-          <a:p>
-            <a:r>
-              <a:rPr lang="en-US" dirty="0"/>
-              <a:t>Introduction</a:t>
-            </a:r>
-          </a:p>
-          <a:p>
-            <a:r>
-              <a:rPr lang="en-US" dirty="0"/>
-              <a:t>Module 1: Manage Azure Subscriptions and Resources</a:t>
-            </a:r>
-          </a:p>
-          <a:p>
-            <a:r>
-              <a:rPr lang="en-US" dirty="0"/>
-              <a:t>Module 2 Implement and Manage Storage</a:t>
-            </a:r>
-          </a:p>
-          <a:p>
-            <a:r>
-              <a:rPr lang="en-US" dirty="0"/>
-              <a:t>Module 3: Deploy and Manage Virtual Machines</a:t>
-            </a:r>
-          </a:p>
-          <a:p>
-            <a:r>
-              <a:rPr lang="en-US" dirty="0"/>
-              <a:t>Synthesis and look ahead to Day 2</a:t>
-            </a:r>
-          </a:p>
-        </p:txBody>
-      </p:sp>
-    </p:spTree>
-    <p:extLst>
-      <p:ext uri="{BB962C8B-B14F-4D97-AF65-F5344CB8AC3E}">
-        <p14:creationId xmlns:p14="http://schemas.microsoft.com/office/powerpoint/2010/main" val="164563528"/>
-      </p:ext>
-    </p:extLst>
-  </p:cSld>
-  <p:clrMapOvr>
-    <a:masterClrMapping/>
-  </p:clrMapOvr>
-</p:sld>
-</file>
-
-<file path=ppt/slides/slide30.xml><?xml version="1.0" encoding="utf-8"?>
-<p:sld xmlns:a="http://schemas.openxmlformats.org/drawingml/2006/main" xmlns:r="http://schemas.openxmlformats.org/officeDocument/2006/relationships" xmlns:p="http://schemas.openxmlformats.org/presentationml/2006/main">
-  <p:cSld>
-    <p:spTree>
-      <p:nvGrpSpPr>
-        <p:cNvPr id="1" name=""/>
-        <p:cNvGrpSpPr/>
-        <p:nvPr/>
-      </p:nvGrpSpPr>
-      <p:grpSpPr>
-        <a:xfrm>
-          <a:off x="0" y="0"/>
-          <a:ext cx="0" cy="0"/>
-          <a:chOff x="0" y="0"/>
-          <a:chExt cx="0" cy="0"/>
-        </a:xfrm>
-      </p:grpSpPr>
-      <p:sp>
-        <p:nvSpPr>
-          <p:cNvPr id="2" name="Title 1">
-            <a:extLst>
-              <a:ext uri="{FF2B5EF4-FFF2-40B4-BE49-F238E27FC236}">
-                <a16:creationId xmlns:a16="http://schemas.microsoft.com/office/drawing/2014/main" id="{25C6E663-D0AD-564E-AFD0-A2EAFE729E79}"/>
-              </a:ext>
-            </a:extLst>
-          </p:cNvPr>
-          <p:cNvSpPr>
-            <a:spLocks noGrp="1"/>
-          </p:cNvSpPr>
-          <p:nvPr>
-            <p:ph type="title"/>
-          </p:nvPr>
-        </p:nvSpPr>
-        <p:spPr/>
-        <p:txBody>
-          <a:bodyPr/>
-          <a:lstStyle/>
-          <a:p>
-            <a:r>
-              <a:rPr lang="en-US" dirty="0"/>
-              <a:t>Repeated Scenario</a:t>
-            </a:r>
-          </a:p>
-        </p:txBody>
-      </p:sp>
-      <p:sp>
-        <p:nvSpPr>
-          <p:cNvPr id="3" name="TextBox 2">
-            <a:extLst>
-              <a:ext uri="{FF2B5EF4-FFF2-40B4-BE49-F238E27FC236}">
-                <a16:creationId xmlns:a16="http://schemas.microsoft.com/office/drawing/2014/main" id="{BA916726-6969-4494-8CFF-B275DB03FB53}"/>
-              </a:ext>
-            </a:extLst>
-          </p:cNvPr>
-          <p:cNvSpPr txBox="1"/>
-          <p:nvPr/>
-        </p:nvSpPr>
-        <p:spPr>
-          <a:xfrm>
-            <a:off x="1273629" y="936171"/>
-            <a:ext cx="6618514" cy="2308324"/>
-          </a:xfrm>
-          <a:prstGeom prst="rect">
-            <a:avLst/>
-          </a:prstGeom>
-          <a:noFill/>
-        </p:spPr>
-        <p:txBody>
-          <a:bodyPr wrap="square" rtlCol="0">
-            <a:spAutoFit/>
-          </a:bodyPr>
-          <a:lstStyle/>
-          <a:p>
-            <a:r>
-              <a:rPr lang="en-US" dirty="0"/>
-              <a:t>You need to move an Azure VM to another hardware host.</a:t>
-            </a:r>
-          </a:p>
-          <a:p>
-            <a:endParaRPr lang="en-US" dirty="0"/>
-          </a:p>
-          <a:p>
-            <a:r>
-              <a:rPr lang="en-US" dirty="0"/>
-              <a:t>Solution: You redeploy the VM.</a:t>
-            </a:r>
-          </a:p>
-          <a:p>
-            <a:endParaRPr lang="en-US" dirty="0"/>
-          </a:p>
-          <a:p>
-            <a:r>
-              <a:rPr lang="en-US" dirty="0"/>
-              <a:t>Does this solution meet the goal?</a:t>
-            </a:r>
-          </a:p>
-          <a:p>
-            <a:endParaRPr lang="en-US" dirty="0"/>
-          </a:p>
-          <a:p>
-            <a:pPr marL="342900" indent="-342900">
-              <a:buAutoNum type="alphaLcPeriod"/>
-            </a:pPr>
-            <a:r>
-              <a:rPr lang="en-US" dirty="0"/>
-              <a:t>Yes</a:t>
-            </a:r>
-          </a:p>
-          <a:p>
-            <a:pPr marL="342900" indent="-342900">
-              <a:buAutoNum type="alphaLcPeriod"/>
-            </a:pPr>
-            <a:r>
-              <a:rPr lang="en-US" dirty="0"/>
-              <a:t>No</a:t>
-            </a:r>
-          </a:p>
-        </p:txBody>
-      </p:sp>
-    </p:spTree>
-    <p:extLst>
-      <p:ext uri="{BB962C8B-B14F-4D97-AF65-F5344CB8AC3E}">
-        <p14:creationId xmlns:p14="http://schemas.microsoft.com/office/powerpoint/2010/main" val="1360830332"/>
-      </p:ext>
-    </p:extLst>
-  </p:cSld>
-  <p:clrMapOvr>
-    <a:masterClrMapping/>
-  </p:clrMapOvr>
-</p:sld>
-</file>
-
 <file path=ppt/slides/slide31.xml><?xml version="1.0" encoding="utf-8"?>
 <p:sld xmlns:a="http://schemas.openxmlformats.org/drawingml/2006/main" xmlns:r="http://schemas.openxmlformats.org/officeDocument/2006/relationships" xmlns:p="http://schemas.openxmlformats.org/presentationml/2006/main">
   <p:cSld>
@@ -5220,6 +5468,138 @@
           <a:p>
             <a:r>
               <a:rPr lang="en-US" dirty="0"/>
+              <a:t>Solution: You redeploy the VM.</a:t>
+            </a:r>
+          </a:p>
+          <a:p>
+            <a:endParaRPr lang="en-US" dirty="0"/>
+          </a:p>
+          <a:p>
+            <a:r>
+              <a:rPr lang="en-US" dirty="0"/>
+              <a:t>Does this solution meet the goal?</a:t>
+            </a:r>
+          </a:p>
+          <a:p>
+            <a:endParaRPr lang="en-US" dirty="0"/>
+          </a:p>
+          <a:p>
+            <a:pPr marL="342900" indent="-342900">
+              <a:buAutoNum type="alphaLcPeriod"/>
+            </a:pPr>
+            <a:r>
+              <a:rPr lang="en-US" dirty="0"/>
+              <a:t>Yes</a:t>
+            </a:r>
+          </a:p>
+          <a:p>
+            <a:pPr marL="342900" indent="-342900">
+              <a:buAutoNum type="alphaLcPeriod"/>
+            </a:pPr>
+            <a:r>
+              <a:rPr lang="en-US" dirty="0"/>
+              <a:t>No</a:t>
+            </a:r>
+          </a:p>
+        </p:txBody>
+      </p:sp>
+    </p:spTree>
+    <p:extLst>
+      <p:ext uri="{BB962C8B-B14F-4D97-AF65-F5344CB8AC3E}">
+        <p14:creationId xmlns:p14="http://schemas.microsoft.com/office/powerpoint/2010/main" val="1360830332"/>
+      </p:ext>
+    </p:extLst>
+  </p:cSld>
+  <p:clrMapOvr>
+    <a:masterClrMapping/>
+  </p:clrMapOvr>
+</p:sld>
+</file>
+
+<file path=ppt/slides/slide32.xml><?xml version="1.0" encoding="utf-8"?>
+<p:sld xmlns:a="http://schemas.openxmlformats.org/drawingml/2006/main" xmlns:r="http://schemas.openxmlformats.org/officeDocument/2006/relationships" xmlns:p="http://schemas.openxmlformats.org/presentationml/2006/main">
+  <p:cSld>
+    <p:spTree>
+      <p:nvGrpSpPr>
+        <p:cNvPr id="1" name=""/>
+        <p:cNvGrpSpPr/>
+        <p:nvPr/>
+      </p:nvGrpSpPr>
+      <p:grpSpPr>
+        <a:xfrm>
+          <a:off x="0" y="0"/>
+          <a:ext cx="0" cy="0"/>
+          <a:chOff x="0" y="0"/>
+          <a:chExt cx="0" cy="0"/>
+        </a:xfrm>
+      </p:grpSpPr>
+      <p:sp>
+        <p:nvSpPr>
+          <p:cNvPr id="2" name="Title 1">
+            <a:extLst>
+              <a:ext uri="{FF2B5EF4-FFF2-40B4-BE49-F238E27FC236}">
+                <a16:creationId xmlns:a16="http://schemas.microsoft.com/office/drawing/2014/main" id="{25C6E663-D0AD-564E-AFD0-A2EAFE729E79}"/>
+              </a:ext>
+            </a:extLst>
+          </p:cNvPr>
+          <p:cNvSpPr>
+            <a:spLocks noGrp="1"/>
+          </p:cNvSpPr>
+          <p:nvPr>
+            <p:ph type="title"/>
+          </p:nvPr>
+        </p:nvSpPr>
+        <p:spPr/>
+        <p:txBody>
+          <a:bodyPr/>
+          <a:lstStyle/>
+          <a:p>
+            <a:r>
+              <a:rPr lang="en-US" dirty="0"/>
+              <a:t>Repeated Scenario</a:t>
+            </a:r>
+          </a:p>
+        </p:txBody>
+      </p:sp>
+      <p:sp>
+        <p:nvSpPr>
+          <p:cNvPr id="3" name="TextBox 2">
+            <a:extLst>
+              <a:ext uri="{FF2B5EF4-FFF2-40B4-BE49-F238E27FC236}">
+                <a16:creationId xmlns:a16="http://schemas.microsoft.com/office/drawing/2014/main" id="{BA916726-6969-4494-8CFF-B275DB03FB53}"/>
+              </a:ext>
+            </a:extLst>
+          </p:cNvPr>
+          <p:cNvSpPr txBox="1"/>
+          <p:nvPr/>
+        </p:nvSpPr>
+        <p:spPr>
+          <a:xfrm>
+            <a:off x="1273629" y="936171"/>
+            <a:ext cx="6618514" cy="2308324"/>
+          </a:xfrm>
+          <a:prstGeom prst="rect">
+            <a:avLst/>
+          </a:prstGeom>
+          <a:noFill/>
+        </p:spPr>
+        <p:txBody>
+          <a:bodyPr wrap="square" rtlCol="0">
+            <a:spAutoFit/>
+          </a:bodyPr>
+          <a:lstStyle/>
+          <a:p>
+            <a:r>
+              <a:rPr lang="en-US" dirty="0"/>
+              <a:t>You need to move an Azure VM to another hardware host.</a:t>
+            </a:r>
+          </a:p>
+          <a:p>
+            <a:endParaRPr lang="en-US" dirty="0"/>
+          </a:p>
+          <a:p>
+            <a:r>
+              <a:rPr lang="en-US" dirty="0"/>
               <a:t>Solution: You restart the VM.</a:t>
             </a:r>
           </a:p>
@@ -5268,7 +5648,7 @@
 </p:sld>
 </file>
 
-<file path=ppt/slides/slide32.xml><?xml version="1.0" encoding="utf-8"?>
+<file path=ppt/slides/slide33.xml><?xml version="1.0" encoding="utf-8"?>
 <p:sld xmlns:a="http://schemas.openxmlformats.org/drawingml/2006/main" xmlns:r="http://schemas.openxmlformats.org/officeDocument/2006/relationships" xmlns:p="http://schemas.openxmlformats.org/presentationml/2006/main">
   <p:cSld>
     <p:spTree>
@@ -5361,7 +5741,7 @@
 </p:sld>
 </file>
 
-<file path=ppt/slides/slide33.xml><?xml version="1.0" encoding="utf-8"?>
+<file path=ppt/slides/slide34.xml><?xml version="1.0" encoding="utf-8"?>
 <p:sld xmlns:a="http://schemas.openxmlformats.org/drawingml/2006/main" xmlns:r="http://schemas.openxmlformats.org/officeDocument/2006/relationships" xmlns:p="http://schemas.openxmlformats.org/presentationml/2006/main">
   <p:cSld>
     <p:spTree>
@@ -5454,7 +5834,7 @@
 </p:sld>
 </file>
 
-<file path=ppt/slides/slide34.xml><?xml version="1.0" encoding="utf-8"?>
+<file path=ppt/slides/slide35.xml><?xml version="1.0" encoding="utf-8"?>
 <p:sld xmlns:a="http://schemas.openxmlformats.org/drawingml/2006/main" xmlns:r="http://schemas.openxmlformats.org/officeDocument/2006/relationships" xmlns:p="http://schemas.openxmlformats.org/presentationml/2006/main">
   <p:cSld>
     <p:spTree>
@@ -5542,7 +5922,7 @@
 </p:sld>
 </file>
 
-<file path=ppt/slides/slide35.xml><?xml version="1.0" encoding="utf-8"?>
+<file path=ppt/slides/slide36.xml><?xml version="1.0" encoding="utf-8"?>
 <p:sld xmlns:a="http://schemas.openxmlformats.org/drawingml/2006/main" xmlns:r="http://schemas.openxmlformats.org/officeDocument/2006/relationships" xmlns:p="http://schemas.openxmlformats.org/presentationml/2006/main">
   <p:cSld>
     <p:spTree>
@@ -5635,7 +6015,7 @@
 </p:sld>
 </file>
 
-<file path=ppt/slides/slide36.xml><?xml version="1.0" encoding="utf-8"?>
+<file path=ppt/slides/slide37.xml><?xml version="1.0" encoding="utf-8"?>
 <p:sld xmlns:a="http://schemas.openxmlformats.org/drawingml/2006/main" xmlns:r="http://schemas.openxmlformats.org/officeDocument/2006/relationships" xmlns:p="http://schemas.openxmlformats.org/presentationml/2006/main">
   <p:cSld>
     <p:spTree>
@@ -5728,7 +6108,7 @@
 </p:sld>
 </file>
 
-<file path=ppt/slides/slide37.xml><?xml version="1.0" encoding="utf-8"?>
+<file path=ppt/slides/slide38.xml><?xml version="1.0" encoding="utf-8"?>
 <p:sld xmlns:a="http://schemas.openxmlformats.org/drawingml/2006/main" xmlns:r="http://schemas.openxmlformats.org/officeDocument/2006/relationships" xmlns:p="http://schemas.openxmlformats.org/presentationml/2006/main">
   <p:cSld>
     <p:spTree>
@@ -5821,7 +6201,7 @@
 </p:sld>
 </file>
 
-<file path=ppt/slides/slide38.xml><?xml version="1.0" encoding="utf-8"?>
+<file path=ppt/slides/slide39.xml><?xml version="1.0" encoding="utf-8"?>
 <p:sld xmlns:a="http://schemas.openxmlformats.org/drawingml/2006/main" xmlns:r="http://schemas.openxmlformats.org/officeDocument/2006/relationships" xmlns:p="http://schemas.openxmlformats.org/presentationml/2006/main">
   <p:cSld>
     <p:spTree>
@@ -6079,10 +6459,511 @@
   <p:clrMapOvr>
     <a:masterClrMapping/>
   </p:clrMapOvr>
+  <p:timing>
+    <p:tnLst>
+      <p:par>
+        <p:cTn id="1" dur="indefinite" restart="never" nodeType="tmRoot">
+          <p:childTnLst>
+            <p:seq concurrent="1" nextAc="seek">
+              <p:cTn id="2" dur="indefinite" nodeType="mainSeq">
+                <p:childTnLst>
+                  <p:par>
+                    <p:cTn id="3" fill="hold">
+                      <p:stCondLst>
+                        <p:cond delay="indefinite"/>
+                      </p:stCondLst>
+                      <p:childTnLst>
+                        <p:par>
+                          <p:cTn id="4" fill="hold">
+                            <p:stCondLst>
+                              <p:cond delay="0"/>
+                            </p:stCondLst>
+                            <p:childTnLst>
+                              <p:par>
+                                <p:cTn id="5" presetID="1" presetClass="entr" presetSubtype="0" fill="hold" nodeType="clickEffect">
+                                  <p:stCondLst>
+                                    <p:cond delay="0"/>
+                                  </p:stCondLst>
+                                  <p:childTnLst>
+                                    <p:set>
+                                      <p:cBhvr>
+                                        <p:cTn id="6" dur="1" fill="hold">
+                                          <p:stCondLst>
+                                            <p:cond delay="0"/>
+                                          </p:stCondLst>
+                                        </p:cTn>
+                                        <p:tgtEl>
+                                          <p:spTgt spid="3">
+                                            <p:txEl>
+                                              <p:pRg st="0" end="0"/>
+                                            </p:txEl>
+                                          </p:spTgt>
+                                        </p:tgtEl>
+                                        <p:attrNameLst>
+                                          <p:attrName>style.visibility</p:attrName>
+                                        </p:attrNameLst>
+                                      </p:cBhvr>
+                                      <p:to>
+                                        <p:strVal val="visible"/>
+                                      </p:to>
+                                    </p:set>
+                                  </p:childTnLst>
+                                </p:cTn>
+                              </p:par>
+                            </p:childTnLst>
+                          </p:cTn>
+                        </p:par>
+                      </p:childTnLst>
+                    </p:cTn>
+                  </p:par>
+                  <p:par>
+                    <p:cTn id="7" fill="hold">
+                      <p:stCondLst>
+                        <p:cond delay="indefinite"/>
+                      </p:stCondLst>
+                      <p:childTnLst>
+                        <p:par>
+                          <p:cTn id="8" fill="hold">
+                            <p:stCondLst>
+                              <p:cond delay="0"/>
+                            </p:stCondLst>
+                            <p:childTnLst>
+                              <p:par>
+                                <p:cTn id="9" presetID="1" presetClass="entr" presetSubtype="0" fill="hold" nodeType="clickEffect">
+                                  <p:stCondLst>
+                                    <p:cond delay="0"/>
+                                  </p:stCondLst>
+                                  <p:childTnLst>
+                                    <p:set>
+                                      <p:cBhvr>
+                                        <p:cTn id="10" dur="1" fill="hold">
+                                          <p:stCondLst>
+                                            <p:cond delay="0"/>
+                                          </p:stCondLst>
+                                        </p:cTn>
+                                        <p:tgtEl>
+                                          <p:spTgt spid="3">
+                                            <p:txEl>
+                                              <p:pRg st="1" end="1"/>
+                                            </p:txEl>
+                                          </p:spTgt>
+                                        </p:tgtEl>
+                                        <p:attrNameLst>
+                                          <p:attrName>style.visibility</p:attrName>
+                                        </p:attrNameLst>
+                                      </p:cBhvr>
+                                      <p:to>
+                                        <p:strVal val="visible"/>
+                                      </p:to>
+                                    </p:set>
+                                  </p:childTnLst>
+                                </p:cTn>
+                              </p:par>
+                            </p:childTnLst>
+                          </p:cTn>
+                        </p:par>
+                      </p:childTnLst>
+                    </p:cTn>
+                  </p:par>
+                  <p:par>
+                    <p:cTn id="11" fill="hold">
+                      <p:stCondLst>
+                        <p:cond delay="indefinite"/>
+                      </p:stCondLst>
+                      <p:childTnLst>
+                        <p:par>
+                          <p:cTn id="12" fill="hold">
+                            <p:stCondLst>
+                              <p:cond delay="0"/>
+                            </p:stCondLst>
+                            <p:childTnLst>
+                              <p:par>
+                                <p:cTn id="13" presetID="1" presetClass="entr" presetSubtype="0" fill="hold" nodeType="clickEffect">
+                                  <p:stCondLst>
+                                    <p:cond delay="0"/>
+                                  </p:stCondLst>
+                                  <p:childTnLst>
+                                    <p:set>
+                                      <p:cBhvr>
+                                        <p:cTn id="14" dur="1" fill="hold">
+                                          <p:stCondLst>
+                                            <p:cond delay="0"/>
+                                          </p:stCondLst>
+                                        </p:cTn>
+                                        <p:tgtEl>
+                                          <p:spTgt spid="3">
+                                            <p:txEl>
+                                              <p:pRg st="2" end="2"/>
+                                            </p:txEl>
+                                          </p:spTgt>
+                                        </p:tgtEl>
+                                        <p:attrNameLst>
+                                          <p:attrName>style.visibility</p:attrName>
+                                        </p:attrNameLst>
+                                      </p:cBhvr>
+                                      <p:to>
+                                        <p:strVal val="visible"/>
+                                      </p:to>
+                                    </p:set>
+                                  </p:childTnLst>
+                                </p:cTn>
+                              </p:par>
+                            </p:childTnLst>
+                          </p:cTn>
+                        </p:par>
+                      </p:childTnLst>
+                    </p:cTn>
+                  </p:par>
+                  <p:par>
+                    <p:cTn id="15" fill="hold">
+                      <p:stCondLst>
+                        <p:cond delay="indefinite"/>
+                      </p:stCondLst>
+                      <p:childTnLst>
+                        <p:par>
+                          <p:cTn id="16" fill="hold">
+                            <p:stCondLst>
+                              <p:cond delay="0"/>
+                            </p:stCondLst>
+                            <p:childTnLst>
+                              <p:par>
+                                <p:cTn id="17" presetID="1" presetClass="entr" presetSubtype="0" fill="hold" nodeType="clickEffect">
+                                  <p:stCondLst>
+                                    <p:cond delay="0"/>
+                                  </p:stCondLst>
+                                  <p:childTnLst>
+                                    <p:set>
+                                      <p:cBhvr>
+                                        <p:cTn id="18" dur="1" fill="hold">
+                                          <p:stCondLst>
+                                            <p:cond delay="0"/>
+                                          </p:stCondLst>
+                                        </p:cTn>
+                                        <p:tgtEl>
+                                          <p:spTgt spid="3">
+                                            <p:txEl>
+                                              <p:pRg st="3" end="3"/>
+                                            </p:txEl>
+                                          </p:spTgt>
+                                        </p:tgtEl>
+                                        <p:attrNameLst>
+                                          <p:attrName>style.visibility</p:attrName>
+                                        </p:attrNameLst>
+                                      </p:cBhvr>
+                                      <p:to>
+                                        <p:strVal val="visible"/>
+                                      </p:to>
+                                    </p:set>
+                                  </p:childTnLst>
+                                </p:cTn>
+                              </p:par>
+                            </p:childTnLst>
+                          </p:cTn>
+                        </p:par>
+                      </p:childTnLst>
+                    </p:cTn>
+                  </p:par>
+                </p:childTnLst>
+              </p:cTn>
+              <p:prevCondLst>
+                <p:cond evt="onPrev" delay="0">
+                  <p:tgtEl>
+                    <p:sldTgt/>
+                  </p:tgtEl>
+                </p:cond>
+              </p:prevCondLst>
+              <p:nextCondLst>
+                <p:cond evt="onNext" delay="0">
+                  <p:tgtEl>
+                    <p:sldTgt/>
+                  </p:tgtEl>
+                </p:cond>
+              </p:nextCondLst>
+            </p:seq>
+          </p:childTnLst>
+        </p:cTn>
+      </p:par>
+    </p:tnLst>
+  </p:timing>
 </p:sld>
 </file>
 
 <file path=ppt/slides/slide5.xml><?xml version="1.0" encoding="utf-8"?>
+<p:sld xmlns:a="http://schemas.openxmlformats.org/drawingml/2006/main" xmlns:r="http://schemas.openxmlformats.org/officeDocument/2006/relationships" xmlns:p="http://schemas.openxmlformats.org/presentationml/2006/main">
+  <p:cSld>
+    <p:spTree>
+      <p:nvGrpSpPr>
+        <p:cNvPr id="1" name=""/>
+        <p:cNvGrpSpPr/>
+        <p:nvPr/>
+      </p:nvGrpSpPr>
+      <p:grpSpPr>
+        <a:xfrm>
+          <a:off x="0" y="0"/>
+          <a:ext cx="0" cy="0"/>
+          <a:chOff x="0" y="0"/>
+          <a:chExt cx="0" cy="0"/>
+        </a:xfrm>
+      </p:grpSpPr>
+      <p:sp>
+        <p:nvSpPr>
+          <p:cNvPr id="2" name="Title 1">
+            <a:extLst>
+              <a:ext uri="{FF2B5EF4-FFF2-40B4-BE49-F238E27FC236}">
+                <a16:creationId xmlns:a16="http://schemas.microsoft.com/office/drawing/2014/main" id="{9499EFF8-D9AC-F84D-8949-EF6A66C51733}"/>
+              </a:ext>
+            </a:extLst>
+          </p:cNvPr>
+          <p:cNvSpPr>
+            <a:spLocks noGrp="1"/>
+          </p:cNvSpPr>
+          <p:nvPr>
+            <p:ph type="title"/>
+          </p:nvPr>
+        </p:nvSpPr>
+        <p:spPr/>
+        <p:txBody>
+          <a:bodyPr/>
+          <a:lstStyle/>
+          <a:p>
+            <a:r>
+              <a:rPr lang="en-US" dirty="0"/>
+              <a:t>A Different Kind of Training</a:t>
+            </a:r>
+          </a:p>
+        </p:txBody>
+      </p:sp>
+      <p:sp>
+        <p:nvSpPr>
+          <p:cNvPr id="3" name="Content Placeholder 2">
+            <a:extLst>
+              <a:ext uri="{FF2B5EF4-FFF2-40B4-BE49-F238E27FC236}">
+                <a16:creationId xmlns:a16="http://schemas.microsoft.com/office/drawing/2014/main" id="{510B1FA3-9927-F74A-8D15-783CB3AE14C0}"/>
+              </a:ext>
+            </a:extLst>
+          </p:cNvPr>
+          <p:cNvSpPr>
+            <a:spLocks noGrp="1"/>
+          </p:cNvSpPr>
+          <p:nvPr>
+            <p:ph idx="1"/>
+          </p:nvPr>
+        </p:nvSpPr>
+        <p:spPr/>
+        <p:txBody>
+          <a:bodyPr/>
+          <a:lstStyle/>
+          <a:p>
+            <a:r>
+              <a:rPr lang="en-US" dirty="0"/>
+              <a:t>No slide show fatigue</a:t>
+            </a:r>
+          </a:p>
+          <a:p>
+            <a:r>
+              <a:rPr lang="en-US" dirty="0"/>
+              <a:t>Learn by doing – 100 percent demo</a:t>
+            </a:r>
+          </a:p>
+          <a:p>
+            <a:r>
+              <a:rPr lang="en-US" dirty="0"/>
+              <a:t>I’m here to answer your questions – take advantage of this!</a:t>
+            </a:r>
+          </a:p>
+        </p:txBody>
+      </p:sp>
+    </p:spTree>
+    <p:extLst>
+      <p:ext uri="{BB962C8B-B14F-4D97-AF65-F5344CB8AC3E}">
+        <p14:creationId xmlns:p14="http://schemas.microsoft.com/office/powerpoint/2010/main" val="1933363142"/>
+      </p:ext>
+    </p:extLst>
+  </p:cSld>
+  <p:clrMapOvr>
+    <a:masterClrMapping/>
+  </p:clrMapOvr>
+  <p:timing>
+    <p:tnLst>
+      <p:par>
+        <p:cTn id="1" dur="indefinite" restart="never" nodeType="tmRoot">
+          <p:childTnLst>
+            <p:seq concurrent="1" nextAc="seek">
+              <p:cTn id="2" dur="indefinite" nodeType="mainSeq">
+                <p:childTnLst>
+                  <p:par>
+                    <p:cTn id="3" fill="hold">
+                      <p:stCondLst>
+                        <p:cond delay="indefinite"/>
+                      </p:stCondLst>
+                      <p:childTnLst>
+                        <p:par>
+                          <p:cTn id="4" fill="hold">
+                            <p:stCondLst>
+                              <p:cond delay="0"/>
+                            </p:stCondLst>
+                            <p:childTnLst>
+                              <p:par>
+                                <p:cTn id="5" presetID="1" presetClass="entr" presetSubtype="0" fill="hold" nodeType="clickEffect">
+                                  <p:stCondLst>
+                                    <p:cond delay="0"/>
+                                  </p:stCondLst>
+                                  <p:childTnLst>
+                                    <p:set>
+                                      <p:cBhvr>
+                                        <p:cTn id="6" dur="1" fill="hold">
+                                          <p:stCondLst>
+                                            <p:cond delay="0"/>
+                                          </p:stCondLst>
+                                        </p:cTn>
+                                        <p:tgtEl>
+                                          <p:spTgt spid="3">
+                                            <p:txEl>
+                                              <p:pRg st="0" end="0"/>
+                                            </p:txEl>
+                                          </p:spTgt>
+                                        </p:tgtEl>
+                                        <p:attrNameLst>
+                                          <p:attrName>style.visibility</p:attrName>
+                                        </p:attrNameLst>
+                                      </p:cBhvr>
+                                      <p:to>
+                                        <p:strVal val="visible"/>
+                                      </p:to>
+                                    </p:set>
+                                  </p:childTnLst>
+                                </p:cTn>
+                              </p:par>
+                            </p:childTnLst>
+                          </p:cTn>
+                        </p:par>
+                      </p:childTnLst>
+                    </p:cTn>
+                  </p:par>
+                  <p:par>
+                    <p:cTn id="7" fill="hold">
+                      <p:stCondLst>
+                        <p:cond delay="indefinite"/>
+                      </p:stCondLst>
+                      <p:childTnLst>
+                        <p:par>
+                          <p:cTn id="8" fill="hold">
+                            <p:stCondLst>
+                              <p:cond delay="0"/>
+                            </p:stCondLst>
+                            <p:childTnLst>
+                              <p:par>
+                                <p:cTn id="9" presetID="1" presetClass="entr" presetSubtype="0" fill="hold" nodeType="clickEffect">
+                                  <p:stCondLst>
+                                    <p:cond delay="0"/>
+                                  </p:stCondLst>
+                                  <p:childTnLst>
+                                    <p:set>
+                                      <p:cBhvr>
+                                        <p:cTn id="10" dur="1" fill="hold">
+                                          <p:stCondLst>
+                                            <p:cond delay="0"/>
+                                          </p:stCondLst>
+                                        </p:cTn>
+                                        <p:tgtEl>
+                                          <p:spTgt spid="3">
+                                            <p:txEl>
+                                              <p:pRg st="1" end="1"/>
+                                            </p:txEl>
+                                          </p:spTgt>
+                                        </p:tgtEl>
+                                        <p:attrNameLst>
+                                          <p:attrName>style.visibility</p:attrName>
+                                        </p:attrNameLst>
+                                      </p:cBhvr>
+                                      <p:to>
+                                        <p:strVal val="visible"/>
+                                      </p:to>
+                                    </p:set>
+                                  </p:childTnLst>
+                                </p:cTn>
+                              </p:par>
+                            </p:childTnLst>
+                          </p:cTn>
+                        </p:par>
+                      </p:childTnLst>
+                    </p:cTn>
+                  </p:par>
+                  <p:par>
+                    <p:cTn id="11" fill="hold">
+                      <p:stCondLst>
+                        <p:cond delay="indefinite"/>
+                      </p:stCondLst>
+                      <p:childTnLst>
+                        <p:par>
+                          <p:cTn id="12" fill="hold">
+                            <p:stCondLst>
+                              <p:cond delay="0"/>
+                            </p:stCondLst>
+                            <p:childTnLst>
+                              <p:par>
+                                <p:cTn id="13" presetID="1" presetClass="entr" presetSubtype="0" fill="hold" nodeType="clickEffect">
+                                  <p:stCondLst>
+                                    <p:cond delay="0"/>
+                                  </p:stCondLst>
+                                  <p:childTnLst>
+                                    <p:set>
+                                      <p:cBhvr>
+                                        <p:cTn id="14" dur="1" fill="hold">
+                                          <p:stCondLst>
+                                            <p:cond delay="0"/>
+                                          </p:stCondLst>
+                                        </p:cTn>
+                                        <p:tgtEl>
+                                          <p:spTgt spid="3">
+                                            <p:txEl>
+                                              <p:pRg st="2" end="2"/>
+                                            </p:txEl>
+                                          </p:spTgt>
+                                        </p:tgtEl>
+                                        <p:attrNameLst>
+                                          <p:attrName>style.visibility</p:attrName>
+                                        </p:attrNameLst>
+                                      </p:cBhvr>
+                                      <p:to>
+                                        <p:strVal val="visible"/>
+                                      </p:to>
+                                    </p:set>
+                                  </p:childTnLst>
+                                </p:cTn>
+                              </p:par>
+                            </p:childTnLst>
+                          </p:cTn>
+                        </p:par>
+                      </p:childTnLst>
+                    </p:cTn>
+                  </p:par>
+                </p:childTnLst>
+              </p:cTn>
+              <p:prevCondLst>
+                <p:cond evt="onPrev" delay="0">
+                  <p:tgtEl>
+                    <p:sldTgt/>
+                  </p:tgtEl>
+                </p:cond>
+              </p:prevCondLst>
+              <p:nextCondLst>
+                <p:cond evt="onNext" delay="0">
+                  <p:tgtEl>
+                    <p:sldTgt/>
+                  </p:tgtEl>
+                </p:cond>
+              </p:nextCondLst>
+            </p:seq>
+          </p:childTnLst>
+        </p:cTn>
+      </p:par>
+    </p:tnLst>
+  </p:timing>
+</p:sld>
+</file>
+
+<file path=ppt/slides/slide6.xml><?xml version="1.0" encoding="utf-8"?>
 <p:sld xmlns:a="http://schemas.openxmlformats.org/drawingml/2006/main" xmlns:r="http://schemas.openxmlformats.org/officeDocument/2006/relationships" xmlns:p="http://schemas.openxmlformats.org/presentationml/2006/main">
   <p:cSld>
     <p:spTree>
@@ -6258,7 +7139,7 @@
 </p:sld>
 </file>
 
-<file path=ppt/slides/slide6.xml><?xml version="1.0" encoding="utf-8"?>
+<file path=ppt/slides/slide7.xml><?xml version="1.0" encoding="utf-8"?>
 <p:sld xmlns:a="http://schemas.openxmlformats.org/drawingml/2006/main" xmlns:r="http://schemas.openxmlformats.org/officeDocument/2006/relationships" xmlns:p="http://schemas.openxmlformats.org/presentationml/2006/main">
   <p:cSld>
     <p:spTree>
@@ -6346,7 +7227,7 @@
 </p:sld>
 </file>
 
-<file path=ppt/slides/slide7.xml><?xml version="1.0" encoding="utf-8"?>
+<file path=ppt/slides/slide8.xml><?xml version="1.0" encoding="utf-8"?>
 <p:sld xmlns:a="http://schemas.openxmlformats.org/drawingml/2006/main" xmlns:r="http://schemas.openxmlformats.org/officeDocument/2006/relationships" xmlns:p="http://schemas.openxmlformats.org/presentationml/2006/main">
   <p:cSld>
     <p:spTree>
@@ -7070,68 +7951,6 @@
 </p:sld>
 </file>
 
-<file path=ppt/slides/slide8.xml><?xml version="1.0" encoding="utf-8"?>
-<p:sld xmlns:a="http://schemas.openxmlformats.org/drawingml/2006/main" xmlns:r="http://schemas.openxmlformats.org/officeDocument/2006/relationships" xmlns:p="http://schemas.openxmlformats.org/presentationml/2006/main">
-  <p:cSld>
-    <p:spTree>
-      <p:nvGrpSpPr>
-        <p:cNvPr id="1" name=""/>
-        <p:cNvGrpSpPr/>
-        <p:nvPr/>
-      </p:nvGrpSpPr>
-      <p:grpSpPr>
-        <a:xfrm>
-          <a:off x="0" y="0"/>
-          <a:ext cx="0" cy="0"/>
-          <a:chOff x="0" y="0"/>
-          <a:chExt cx="0" cy="0"/>
-        </a:xfrm>
-      </p:grpSpPr>
-      <p:sp>
-        <p:nvSpPr>
-          <p:cNvPr id="6" name="Title 5">
-            <a:extLst>
-              <a:ext uri="{FF2B5EF4-FFF2-40B4-BE49-F238E27FC236}">
-                <a16:creationId xmlns:a16="http://schemas.microsoft.com/office/drawing/2014/main" id="{D9FFC0E8-97CE-4426-A0C0-75252002ED16}"/>
-              </a:ext>
-            </a:extLst>
-          </p:cNvPr>
-          <p:cNvSpPr>
-            <a:spLocks noGrp="1"/>
-          </p:cNvSpPr>
-          <p:nvPr>
-            <p:ph type="ctrTitle"/>
-          </p:nvPr>
-        </p:nvSpPr>
-        <p:spPr/>
-        <p:txBody>
-          <a:bodyPr/>
-          <a:lstStyle/>
-          <a:p>
-            <a:r>
-              <a:rPr lang="en-US" dirty="0"/>
-              <a:t>Module 1: Manage Azure Subscriptions and Resources</a:t>
-            </a:r>
-            <a:br>
-              <a:rPr lang="en-US" dirty="0"/>
-            </a:br>
-            <a:endParaRPr lang="en-US" dirty="0"/>
-          </a:p>
-        </p:txBody>
-      </p:sp>
-    </p:spTree>
-    <p:extLst>
-      <p:ext uri="{BB962C8B-B14F-4D97-AF65-F5344CB8AC3E}">
-        <p14:creationId xmlns:p14="http://schemas.microsoft.com/office/powerpoint/2010/main" val="180253349"/>
-      </p:ext>
-    </p:extLst>
-  </p:cSld>
-  <p:clrMapOvr>
-    <a:masterClrMapping/>
-  </p:clrMapOvr>
-</p:sld>
-</file>
-
 <file path=ppt/slides/slide9.xml><?xml version="1.0" encoding="utf-8"?>
 <p:sld xmlns:a="http://schemas.openxmlformats.org/drawingml/2006/main" xmlns:r="http://schemas.openxmlformats.org/officeDocument/2006/relationships" xmlns:p="http://schemas.openxmlformats.org/presentationml/2006/main">
   <p:cSld>
@@ -7151,10 +7970,10 @@
       </p:grpSpPr>
       <p:sp>
         <p:nvSpPr>
-          <p:cNvPr id="2" name="Title 1">
-            <a:extLst>
-              <a:ext uri="{FF2B5EF4-FFF2-40B4-BE49-F238E27FC236}">
-                <a16:creationId xmlns:a16="http://schemas.microsoft.com/office/drawing/2014/main" id="{25C6E663-D0AD-564E-AFD0-A2EAFE729E79}"/>
+          <p:cNvPr id="6" name="Title 5">
+            <a:extLst>
+              <a:ext uri="{FF2B5EF4-FFF2-40B4-BE49-F238E27FC236}">
+                <a16:creationId xmlns:a16="http://schemas.microsoft.com/office/drawing/2014/main" id="{D9FFC0E8-97CE-4426-A0C0-75252002ED16}"/>
               </a:ext>
             </a:extLst>
           </p:cNvPr>
@@ -7162,7 +7981,7 @@
             <a:spLocks noGrp="1"/>
           </p:cNvSpPr>
           <p:nvPr>
-            <p:ph type="title"/>
+            <p:ph type="ctrTitle"/>
           </p:nvPr>
         </p:nvSpPr>
         <p:spPr/>
@@ -7172,61 +7991,19 @@
           <a:p>
             <a:r>
               <a:rPr lang="en-US" dirty="0"/>
-              <a:t>Module 1 Learning Objectives</a:t>
-            </a:r>
-          </a:p>
-        </p:txBody>
-      </p:sp>
-      <p:sp>
-        <p:nvSpPr>
-          <p:cNvPr id="3" name="Content Placeholder 2">
-            <a:extLst>
-              <a:ext uri="{FF2B5EF4-FFF2-40B4-BE49-F238E27FC236}">
-                <a16:creationId xmlns:a16="http://schemas.microsoft.com/office/drawing/2014/main" id="{CC25EB59-169C-FE49-B976-0294784B9F8E}"/>
-              </a:ext>
-            </a:extLst>
-          </p:cNvPr>
-          <p:cNvSpPr>
-            <a:spLocks noGrp="1"/>
-          </p:cNvSpPr>
-          <p:nvPr>
-            <p:ph idx="1"/>
-          </p:nvPr>
-        </p:nvSpPr>
-        <p:spPr/>
-        <p:txBody>
-          <a:bodyPr/>
-          <a:lstStyle/>
-          <a:p>
-            <a:r>
-              <a:rPr lang="en-US" dirty="0"/>
-              <a:t>Manage Azure subscriptions</a:t>
-            </a:r>
-          </a:p>
-          <a:p>
-            <a:r>
-              <a:rPr lang="en-US" dirty="0"/>
-              <a:t>Analyze resource utilization and consumption</a:t>
-            </a:r>
-          </a:p>
-          <a:p>
-            <a:r>
-              <a:rPr lang="en-US" dirty="0"/>
-              <a:t>Manage resource groups</a:t>
-            </a:r>
-          </a:p>
-          <a:p>
-            <a:r>
-              <a:rPr lang="en-US" dirty="0"/>
-              <a:t>Manage Role Based Access Control (RBAC)</a:t>
-            </a:r>
+              <a:t>Module 1: Manage Azure Subscriptions and Resources</a:t>
+            </a:r>
+            <a:br>
+              <a:rPr lang="en-US" dirty="0"/>
+            </a:br>
+            <a:endParaRPr lang="en-US" dirty="0"/>
           </a:p>
         </p:txBody>
       </p:sp>
     </p:spTree>
     <p:extLst>
       <p:ext uri="{BB962C8B-B14F-4D97-AF65-F5344CB8AC3E}">
-        <p14:creationId xmlns:p14="http://schemas.microsoft.com/office/powerpoint/2010/main" val="3344817401"/>
+        <p14:creationId xmlns:p14="http://schemas.microsoft.com/office/powerpoint/2010/main" val="180253349"/>
       </p:ext>
     </p:extLst>
   </p:cSld>
